--- a/演示稿.pptx
+++ b/演示稿.pptx
@@ -16,10 +16,13 @@
     <p:sldId id="274" r:id="rId10"/>
     <p:sldId id="275" r:id="rId11"/>
     <p:sldId id="291" r:id="rId12"/>
-    <p:sldId id="290" r:id="rId13"/>
-    <p:sldId id="283" r:id="rId14"/>
-    <p:sldId id="286" r:id="rId15"/>
-    <p:sldId id="272" r:id="rId16"/>
+    <p:sldId id="292" r:id="rId13"/>
+    <p:sldId id="293" r:id="rId14"/>
+    <p:sldId id="290" r:id="rId15"/>
+    <p:sldId id="283" r:id="rId16"/>
+    <p:sldId id="286" r:id="rId17"/>
+    <p:sldId id="294" r:id="rId18"/>
+    <p:sldId id="272" r:id="rId19"/>
   </p:sldIdLst>
   <p:sldSz cx="12192000" cy="6858000"/>
   <p:notesSz cx="6858000" cy="9144000"/>
@@ -5761,6 +5764,3501 @@
         <p:cNvPr id="1" name="">
           <a:extLst>
             <a:ext uri="{FF2B5EF4-FFF2-40B4-BE49-F238E27FC236}">
+              <a16:creationId xmlns:a16="http://schemas.microsoft.com/office/drawing/2014/main" id="{EFE5C993-FB48-9697-4CA0-484D4596F4C8}"/>
+            </a:ext>
+          </a:extLst>
+        </p:cNvPr>
+        <p:cNvGrpSpPr/>
+        <p:nvPr/>
+      </p:nvGrpSpPr>
+      <p:grpSpPr>
+        <a:xfrm>
+          <a:off x="0" y="0"/>
+          <a:ext cx="0" cy="0"/>
+          <a:chOff x="0" y="0"/>
+          <a:chExt cx="0" cy="0"/>
+        </a:xfrm>
+      </p:grpSpPr>
+      <p:sp>
+        <p:nvSpPr>
+          <p:cNvPr id="5" name="直角三角形 4">
+            <a:extLst>
+              <a:ext uri="{FF2B5EF4-FFF2-40B4-BE49-F238E27FC236}">
+                <a16:creationId xmlns:a16="http://schemas.microsoft.com/office/drawing/2014/main" id="{FD3EFF69-6A10-3D29-EDCC-6B623FD80871}"/>
+              </a:ext>
+            </a:extLst>
+          </p:cNvPr>
+          <p:cNvSpPr/>
+          <p:nvPr/>
+        </p:nvSpPr>
+        <p:spPr>
+          <a:xfrm flipV="1">
+            <a:off x="0" y="0"/>
+            <a:ext cx="10799445" cy="1272540"/>
+          </a:xfrm>
+          <a:prstGeom prst="rtTriangle">
+            <a:avLst/>
+          </a:prstGeom>
+          <a:solidFill>
+            <a:schemeClr val="accent1">
+              <a:lumMod val="40000"/>
+              <a:lumOff val="60000"/>
+              <a:alpha val="65000"/>
+            </a:schemeClr>
+          </a:solidFill>
+          <a:ln>
+            <a:noFill/>
+          </a:ln>
+        </p:spPr>
+        <p:style>
+          <a:lnRef idx="2">
+            <a:schemeClr val="accent1">
+              <a:shade val="50000"/>
+            </a:schemeClr>
+          </a:lnRef>
+          <a:fillRef idx="1">
+            <a:schemeClr val="accent1"/>
+          </a:fillRef>
+          <a:effectRef idx="0">
+            <a:schemeClr val="accent1"/>
+          </a:effectRef>
+          <a:fontRef idx="minor">
+            <a:schemeClr val="lt1"/>
+          </a:fontRef>
+        </p:style>
+        <p:txBody>
+          <a:bodyPr rtlCol="0" anchor="ctr"/>
+          <a:lstStyle/>
+          <a:p>
+            <a:pPr algn="ctr"/>
+            <a:endParaRPr lang="zh-CN" altLang="en-US"/>
+          </a:p>
+        </p:txBody>
+      </p:sp>
+      <p:sp>
+        <p:nvSpPr>
+          <p:cNvPr id="4" name="直角三角形 3">
+            <a:extLst>
+              <a:ext uri="{FF2B5EF4-FFF2-40B4-BE49-F238E27FC236}">
+                <a16:creationId xmlns:a16="http://schemas.microsoft.com/office/drawing/2014/main" id="{686718EA-5289-9B6C-81A3-4E3EC13D3F09}"/>
+              </a:ext>
+            </a:extLst>
+          </p:cNvPr>
+          <p:cNvSpPr/>
+          <p:nvPr/>
+        </p:nvSpPr>
+        <p:spPr>
+          <a:xfrm flipV="1">
+            <a:off x="0" y="0"/>
+            <a:ext cx="5015865" cy="1573530"/>
+          </a:xfrm>
+          <a:prstGeom prst="rtTriangle">
+            <a:avLst/>
+          </a:prstGeom>
+          <a:solidFill>
+            <a:schemeClr val="accent1">
+              <a:lumMod val="60000"/>
+              <a:lumOff val="40000"/>
+              <a:alpha val="65000"/>
+            </a:schemeClr>
+          </a:solidFill>
+          <a:ln>
+            <a:noFill/>
+          </a:ln>
+        </p:spPr>
+        <p:style>
+          <a:lnRef idx="2">
+            <a:schemeClr val="accent1">
+              <a:shade val="50000"/>
+            </a:schemeClr>
+          </a:lnRef>
+          <a:fillRef idx="1">
+            <a:schemeClr val="accent1"/>
+          </a:fillRef>
+          <a:effectRef idx="0">
+            <a:schemeClr val="accent1"/>
+          </a:effectRef>
+          <a:fontRef idx="minor">
+            <a:schemeClr val="lt1"/>
+          </a:fontRef>
+        </p:style>
+        <p:txBody>
+          <a:bodyPr rtlCol="0" anchor="ctr"/>
+          <a:lstStyle/>
+          <a:p>
+            <a:pPr algn="ctr"/>
+            <a:endParaRPr lang="zh-CN" altLang="en-US"/>
+          </a:p>
+        </p:txBody>
+      </p:sp>
+      <p:sp>
+        <p:nvSpPr>
+          <p:cNvPr id="10" name="直角三角形 9">
+            <a:extLst>
+              <a:ext uri="{FF2B5EF4-FFF2-40B4-BE49-F238E27FC236}">
+                <a16:creationId xmlns:a16="http://schemas.microsoft.com/office/drawing/2014/main" id="{BEF630E6-2B98-282E-969A-F88EFC76AF14}"/>
+              </a:ext>
+            </a:extLst>
+          </p:cNvPr>
+          <p:cNvSpPr/>
+          <p:nvPr/>
+        </p:nvSpPr>
+        <p:spPr>
+          <a:xfrm rot="10800000" flipV="1">
+            <a:off x="7176135" y="5284470"/>
+            <a:ext cx="5015865" cy="1573530"/>
+          </a:xfrm>
+          <a:prstGeom prst="rtTriangle">
+            <a:avLst/>
+          </a:prstGeom>
+          <a:solidFill>
+            <a:schemeClr val="accent1">
+              <a:lumMod val="60000"/>
+              <a:lumOff val="40000"/>
+              <a:alpha val="65000"/>
+            </a:schemeClr>
+          </a:solidFill>
+          <a:ln>
+            <a:noFill/>
+          </a:ln>
+        </p:spPr>
+        <p:style>
+          <a:lnRef idx="2">
+            <a:schemeClr val="accent1">
+              <a:shade val="50000"/>
+            </a:schemeClr>
+          </a:lnRef>
+          <a:fillRef idx="1">
+            <a:schemeClr val="accent1"/>
+          </a:fillRef>
+          <a:effectRef idx="0">
+            <a:schemeClr val="accent1"/>
+          </a:effectRef>
+          <a:fontRef idx="minor">
+            <a:schemeClr val="lt1"/>
+          </a:fontRef>
+        </p:style>
+        <p:txBody>
+          <a:bodyPr rtlCol="0" anchor="ctr"/>
+          <a:lstStyle/>
+          <a:p>
+            <a:pPr algn="ctr"/>
+            <a:endParaRPr lang="zh-CN" altLang="en-US"/>
+          </a:p>
+        </p:txBody>
+      </p:sp>
+      <p:sp>
+        <p:nvSpPr>
+          <p:cNvPr id="11" name="直角三角形 10">
+            <a:extLst>
+              <a:ext uri="{FF2B5EF4-FFF2-40B4-BE49-F238E27FC236}">
+                <a16:creationId xmlns:a16="http://schemas.microsoft.com/office/drawing/2014/main" id="{A371CF77-3561-F01C-1874-3371DD71567D}"/>
+              </a:ext>
+            </a:extLst>
+          </p:cNvPr>
+          <p:cNvSpPr/>
+          <p:nvPr/>
+        </p:nvSpPr>
+        <p:spPr>
+          <a:xfrm rot="10800000" flipV="1">
+            <a:off x="1392555" y="5585460"/>
+            <a:ext cx="10799445" cy="1272540"/>
+          </a:xfrm>
+          <a:prstGeom prst="rtTriangle">
+            <a:avLst/>
+          </a:prstGeom>
+          <a:solidFill>
+            <a:schemeClr val="accent1">
+              <a:lumMod val="40000"/>
+              <a:lumOff val="60000"/>
+              <a:alpha val="65000"/>
+            </a:schemeClr>
+          </a:solidFill>
+          <a:ln>
+            <a:noFill/>
+          </a:ln>
+        </p:spPr>
+        <p:style>
+          <a:lnRef idx="2">
+            <a:schemeClr val="accent1">
+              <a:shade val="50000"/>
+            </a:schemeClr>
+          </a:lnRef>
+          <a:fillRef idx="1">
+            <a:schemeClr val="accent1"/>
+          </a:fillRef>
+          <a:effectRef idx="0">
+            <a:schemeClr val="accent1"/>
+          </a:effectRef>
+          <a:fontRef idx="minor">
+            <a:schemeClr val="lt1"/>
+          </a:fontRef>
+        </p:style>
+        <p:txBody>
+          <a:bodyPr rtlCol="0" anchor="ctr"/>
+          <a:lstStyle/>
+          <a:p>
+            <a:pPr algn="ctr"/>
+            <a:endParaRPr lang="zh-CN" altLang="en-US"/>
+          </a:p>
+        </p:txBody>
+      </p:sp>
+      <p:sp>
+        <p:nvSpPr>
+          <p:cNvPr id="12" name="直角三角形 11">
+            <a:extLst>
+              <a:ext uri="{FF2B5EF4-FFF2-40B4-BE49-F238E27FC236}">
+                <a16:creationId xmlns:a16="http://schemas.microsoft.com/office/drawing/2014/main" id="{A5B3646E-C134-2A28-B0FA-46D147786211}"/>
+              </a:ext>
+            </a:extLst>
+          </p:cNvPr>
+          <p:cNvSpPr/>
+          <p:nvPr/>
+        </p:nvSpPr>
+        <p:spPr>
+          <a:xfrm rot="10800000" flipV="1">
+            <a:off x="8460105" y="3924935"/>
+            <a:ext cx="3731895" cy="2933065"/>
+          </a:xfrm>
+          <a:prstGeom prst="rtTriangle">
+            <a:avLst/>
+          </a:prstGeom>
+          <a:solidFill>
+            <a:schemeClr val="accent1">
+              <a:lumMod val="75000"/>
+              <a:alpha val="45000"/>
+            </a:schemeClr>
+          </a:solidFill>
+          <a:ln>
+            <a:noFill/>
+          </a:ln>
+        </p:spPr>
+        <p:style>
+          <a:lnRef idx="2">
+            <a:schemeClr val="accent1">
+              <a:shade val="50000"/>
+            </a:schemeClr>
+          </a:lnRef>
+          <a:fillRef idx="1">
+            <a:schemeClr val="accent1"/>
+          </a:fillRef>
+          <a:effectRef idx="0">
+            <a:schemeClr val="accent1"/>
+          </a:effectRef>
+          <a:fontRef idx="minor">
+            <a:schemeClr val="lt1"/>
+          </a:fontRef>
+        </p:style>
+        <p:txBody>
+          <a:bodyPr rtlCol="0" anchor="ctr"/>
+          <a:lstStyle/>
+          <a:p>
+            <a:pPr algn="ctr"/>
+            <a:endParaRPr lang="zh-CN" altLang="en-US"/>
+          </a:p>
+        </p:txBody>
+      </p:sp>
+      <p:sp>
+        <p:nvSpPr>
+          <p:cNvPr id="6" name="直角三角形 5">
+            <a:extLst>
+              <a:ext uri="{FF2B5EF4-FFF2-40B4-BE49-F238E27FC236}">
+                <a16:creationId xmlns:a16="http://schemas.microsoft.com/office/drawing/2014/main" id="{2B0A0549-417B-599C-75E9-293A699FFCCD}"/>
+              </a:ext>
+            </a:extLst>
+          </p:cNvPr>
+          <p:cNvSpPr/>
+          <p:nvPr/>
+        </p:nvSpPr>
+        <p:spPr>
+          <a:xfrm flipV="1">
+            <a:off x="0" y="0"/>
+            <a:ext cx="3731895" cy="2933065"/>
+          </a:xfrm>
+          <a:prstGeom prst="rtTriangle">
+            <a:avLst/>
+          </a:prstGeom>
+          <a:solidFill>
+            <a:schemeClr val="accent1">
+              <a:lumMod val="75000"/>
+              <a:alpha val="45000"/>
+            </a:schemeClr>
+          </a:solidFill>
+          <a:ln>
+            <a:noFill/>
+          </a:ln>
+        </p:spPr>
+        <p:style>
+          <a:lnRef idx="2">
+            <a:schemeClr val="accent1">
+              <a:shade val="50000"/>
+            </a:schemeClr>
+          </a:lnRef>
+          <a:fillRef idx="1">
+            <a:schemeClr val="accent1"/>
+          </a:fillRef>
+          <a:effectRef idx="0">
+            <a:schemeClr val="accent1"/>
+          </a:effectRef>
+          <a:fontRef idx="minor">
+            <a:schemeClr val="lt1"/>
+          </a:fontRef>
+        </p:style>
+        <p:txBody>
+          <a:bodyPr rtlCol="0" anchor="ctr"/>
+          <a:lstStyle/>
+          <a:p>
+            <a:pPr algn="ctr"/>
+            <a:endParaRPr lang="zh-CN" altLang="en-US"/>
+          </a:p>
+        </p:txBody>
+      </p:sp>
+      <p:sp>
+        <p:nvSpPr>
+          <p:cNvPr id="13" name="文本框 12">
+            <a:extLst>
+              <a:ext uri="{FF2B5EF4-FFF2-40B4-BE49-F238E27FC236}">
+                <a16:creationId xmlns:a16="http://schemas.microsoft.com/office/drawing/2014/main" id="{AB41AF3D-CF9D-5A9F-AD43-339B66E75529}"/>
+              </a:ext>
+            </a:extLst>
+          </p:cNvPr>
+          <p:cNvSpPr txBox="1"/>
+          <p:nvPr/>
+        </p:nvSpPr>
+        <p:spPr>
+          <a:xfrm>
+            <a:off x="792275" y="786765"/>
+            <a:ext cx="2044149" cy="369332"/>
+          </a:xfrm>
+          <a:prstGeom prst="rect">
+            <a:avLst/>
+          </a:prstGeom>
+          <a:noFill/>
+        </p:spPr>
+        <p:txBody>
+          <a:bodyPr wrap="none" rtlCol="0">
+            <a:spAutoFit/>
+          </a:bodyPr>
+          <a:lstStyle/>
+          <a:p>
+            <a:r>
+              <a:rPr lang="en-US" altLang="zh-CN" dirty="0">
+                <a:solidFill>
+                  <a:schemeClr val="tx2">
+                    <a:lumMod val="75000"/>
+                  </a:schemeClr>
+                </a:solidFill>
+              </a:rPr>
+              <a:t>- - - - </a:t>
+            </a:r>
+            <a:r>
+              <a:rPr lang="zh-CN" altLang="en-US" dirty="0">
+                <a:solidFill>
+                  <a:schemeClr val="tx2">
+                    <a:lumMod val="75000"/>
+                  </a:schemeClr>
+                </a:solidFill>
+              </a:rPr>
+              <a:t>使 用 的 算 法</a:t>
+            </a:r>
+          </a:p>
+        </p:txBody>
+      </p:sp>
+      <mc:AlternateContent xmlns:mc="http://schemas.openxmlformats.org/markup-compatibility/2006">
+        <mc:Choice xmlns:a14="http://schemas.microsoft.com/office/drawing/2010/main" Requires="a14">
+          <p:sp>
+            <p:nvSpPr>
+              <p:cNvPr id="22" name="文本框 21">
+                <a:extLst>
+                  <a:ext uri="{FF2B5EF4-FFF2-40B4-BE49-F238E27FC236}">
+                    <a16:creationId xmlns:a16="http://schemas.microsoft.com/office/drawing/2014/main" id="{3076270D-18C6-51EC-7B16-A99D29953AE5}"/>
+                  </a:ext>
+                </a:extLst>
+              </p:cNvPr>
+              <p:cNvSpPr txBox="1"/>
+              <p:nvPr/>
+            </p:nvSpPr>
+            <p:spPr>
+              <a:xfrm>
+                <a:off x="1184032" y="1272540"/>
+                <a:ext cx="9823934" cy="5450851"/>
+              </a:xfrm>
+              <a:prstGeom prst="rect">
+                <a:avLst/>
+              </a:prstGeom>
+              <a:noFill/>
+            </p:spPr>
+            <p:txBody>
+              <a:bodyPr wrap="square" rtlCol="0">
+                <a:spAutoFit/>
+              </a:bodyPr>
+              <a:lstStyle/>
+              <a:p>
+                <a:pPr indent="457200" algn="just">
+                  <a:lnSpc>
+                    <a:spcPct val="150000"/>
+                  </a:lnSpc>
+                </a:pPr>
+                <a:r>
+                  <a:rPr lang="zh-CN" altLang="en-US" dirty="0">
+                    <a:solidFill>
+                      <a:schemeClr val="accent1">
+                        <a:lumMod val="50000"/>
+                      </a:schemeClr>
+                    </a:solidFill>
+                  </a:rPr>
+                  <a:t>在本项目中，我们使用二分类任务中常用的五个指标来评估一个机器学习算法的性能：</a:t>
+                </a:r>
+                <a:r>
+                  <a:rPr lang="en-US" altLang="zh-CN" dirty="0">
+                    <a:solidFill>
+                      <a:schemeClr val="accent1">
+                        <a:lumMod val="50000"/>
+                      </a:schemeClr>
+                    </a:solidFill>
+                  </a:rPr>
+                  <a:t>Accuracy</a:t>
+                </a:r>
+                <a:r>
+                  <a:rPr lang="zh-CN" altLang="en-US" dirty="0">
+                    <a:solidFill>
+                      <a:schemeClr val="accent1">
+                        <a:lumMod val="50000"/>
+                      </a:schemeClr>
+                    </a:solidFill>
+                  </a:rPr>
+                  <a:t>、</a:t>
+                </a:r>
+                <a:r>
+                  <a:rPr lang="en-US" altLang="zh-CN" dirty="0">
+                    <a:solidFill>
+                      <a:schemeClr val="accent1">
+                        <a:lumMod val="50000"/>
+                      </a:schemeClr>
+                    </a:solidFill>
+                  </a:rPr>
+                  <a:t>Sensitivity</a:t>
+                </a:r>
+                <a:r>
+                  <a:rPr lang="zh-CN" altLang="en-US" dirty="0">
+                    <a:solidFill>
+                      <a:schemeClr val="accent1">
+                        <a:lumMod val="50000"/>
+                      </a:schemeClr>
+                    </a:solidFill>
+                  </a:rPr>
+                  <a:t>、</a:t>
+                </a:r>
+                <a:r>
+                  <a:rPr lang="en-US" altLang="zh-CN" dirty="0">
+                    <a:solidFill>
+                      <a:schemeClr val="accent1">
+                        <a:lumMod val="50000"/>
+                      </a:schemeClr>
+                    </a:solidFill>
+                  </a:rPr>
+                  <a:t>Specificity</a:t>
+                </a:r>
+                <a:r>
+                  <a:rPr lang="zh-CN" altLang="en-US" dirty="0">
+                    <a:solidFill>
+                      <a:schemeClr val="accent1">
+                        <a:lumMod val="50000"/>
+                      </a:schemeClr>
+                    </a:solidFill>
+                  </a:rPr>
+                  <a:t>、</a:t>
+                </a:r>
+                <a:r>
+                  <a:rPr lang="en-US" altLang="zh-CN" dirty="0">
+                    <a:solidFill>
+                      <a:schemeClr val="accent1">
+                        <a:lumMod val="50000"/>
+                      </a:schemeClr>
+                    </a:solidFill>
+                  </a:rPr>
+                  <a:t>Precision</a:t>
+                </a:r>
+                <a:r>
+                  <a:rPr lang="zh-CN" altLang="en-US" dirty="0">
+                    <a:solidFill>
+                      <a:schemeClr val="accent1">
+                        <a:lumMod val="50000"/>
+                      </a:schemeClr>
+                    </a:solidFill>
+                  </a:rPr>
+                  <a:t>、</a:t>
+                </a:r>
+                <a:r>
+                  <a:rPr lang="en-US" altLang="zh-CN" dirty="0">
+                    <a:solidFill>
+                      <a:schemeClr val="accent1">
+                        <a:lumMod val="50000"/>
+                      </a:schemeClr>
+                    </a:solidFill>
+                  </a:rPr>
+                  <a:t>AUC</a:t>
+                </a:r>
+                <a:r>
+                  <a:rPr lang="zh-CN" altLang="en-US" dirty="0">
+                    <a:solidFill>
+                      <a:schemeClr val="accent1">
+                        <a:lumMod val="50000"/>
+                      </a:schemeClr>
+                    </a:solidFill>
+                  </a:rPr>
+                  <a:t>。除了</a:t>
+                </a:r>
+                <a:r>
+                  <a:rPr lang="en-US" altLang="zh-CN" dirty="0">
+                    <a:solidFill>
+                      <a:schemeClr val="accent1">
+                        <a:lumMod val="50000"/>
+                      </a:schemeClr>
+                    </a:solidFill>
+                  </a:rPr>
+                  <a:t>AUC</a:t>
+                </a:r>
+                <a:r>
+                  <a:rPr lang="zh-CN" altLang="en-US" dirty="0">
+                    <a:solidFill>
+                      <a:schemeClr val="accent1">
+                        <a:lumMod val="50000"/>
+                      </a:schemeClr>
+                    </a:solidFill>
+                  </a:rPr>
+                  <a:t>之外，其他四个指标均可以通过混淆矩阵计算得到，计算步骤如下：</a:t>
+                </a:r>
+                <a:endParaRPr lang="en-US" altLang="zh-CN" dirty="0">
+                  <a:solidFill>
+                    <a:schemeClr val="accent1">
+                      <a:lumMod val="50000"/>
+                    </a:schemeClr>
+                  </a:solidFill>
+                </a:endParaRPr>
+              </a:p>
+              <a:p>
+                <a:pPr marL="457200" indent="-457200" algn="just">
+                  <a:lnSpc>
+                    <a:spcPct val="150000"/>
+                  </a:lnSpc>
+                  <a:buFont typeface="+mj-lt"/>
+                  <a:buAutoNum type="arabicPeriod"/>
+                </a:pPr>
+                <a:r>
+                  <a:rPr lang="zh-CN" altLang="en-US" dirty="0">
+                    <a:solidFill>
+                      <a:schemeClr val="accent1">
+                        <a:lumMod val="50000"/>
+                      </a:schemeClr>
+                    </a:solidFill>
+                  </a:rPr>
+                  <a:t>使用训练完毕的机器学习算法预测测试集，得到预测结果标签，与真实标签作比较，获得混淆矩阵：</a:t>
+                </a:r>
+                <a:endParaRPr lang="en-US" altLang="zh-CN" dirty="0">
+                  <a:solidFill>
+                    <a:schemeClr val="accent1">
+                      <a:lumMod val="50000"/>
+                    </a:schemeClr>
+                  </a:solidFill>
+                </a:endParaRPr>
+              </a:p>
+              <a:p>
+                <a:pPr marL="457200" indent="-457200" algn="just">
+                  <a:lnSpc>
+                    <a:spcPct val="150000"/>
+                  </a:lnSpc>
+                  <a:buFont typeface="+mj-lt"/>
+                  <a:buAutoNum type="arabicPeriod"/>
+                </a:pPr>
+                <a:endParaRPr lang="en-US" altLang="zh-CN" dirty="0">
+                  <a:solidFill>
+                    <a:schemeClr val="accent1">
+                      <a:lumMod val="50000"/>
+                    </a:schemeClr>
+                  </a:solidFill>
+                </a:endParaRPr>
+              </a:p>
+              <a:p>
+                <a:pPr marL="457200" indent="-457200" algn="just">
+                  <a:lnSpc>
+                    <a:spcPct val="150000"/>
+                  </a:lnSpc>
+                  <a:buFont typeface="+mj-lt"/>
+                  <a:buAutoNum type="arabicPeriod"/>
+                </a:pPr>
+                <a:endParaRPr lang="en-US" altLang="zh-CN" dirty="0">
+                  <a:solidFill>
+                    <a:schemeClr val="accent1">
+                      <a:lumMod val="50000"/>
+                    </a:schemeClr>
+                  </a:solidFill>
+                </a:endParaRPr>
+              </a:p>
+              <a:p>
+                <a:pPr marL="457200" indent="-457200" algn="just">
+                  <a:lnSpc>
+                    <a:spcPct val="150000"/>
+                  </a:lnSpc>
+                  <a:buFont typeface="+mj-lt"/>
+                  <a:buAutoNum type="arabicPeriod"/>
+                </a:pPr>
+                <a:endParaRPr lang="en-US" altLang="zh-CN" dirty="0">
+                  <a:solidFill>
+                    <a:schemeClr val="accent1">
+                      <a:lumMod val="50000"/>
+                    </a:schemeClr>
+                  </a:solidFill>
+                </a:endParaRPr>
+              </a:p>
+              <a:p>
+                <a:pPr marL="457200" indent="-457200" algn="just">
+                  <a:lnSpc>
+                    <a:spcPct val="150000"/>
+                  </a:lnSpc>
+                  <a:buFont typeface="+mj-lt"/>
+                  <a:buAutoNum type="arabicPeriod"/>
+                </a:pPr>
+                <a14:m>
+                  <m:oMath xmlns:m="http://schemas.openxmlformats.org/officeDocument/2006/math">
+                    <m:r>
+                      <a:rPr lang="en-US" altLang="zh-CN" i="1" dirty="0" smtClean="0">
+                        <a:solidFill>
+                          <a:schemeClr val="accent1">
+                            <a:lumMod val="50000"/>
+                          </a:schemeClr>
+                        </a:solidFill>
+                        <a:latin typeface="Cambria Math" panose="02040503050406030204" pitchFamily="18" charset="0"/>
+                      </a:rPr>
+                      <m:t>𝐴𝑐𝑐𝑢𝑟𝑎𝑐𝑦</m:t>
+                    </m:r>
+                    <m:r>
+                      <a:rPr lang="en-US" altLang="zh-CN" b="0" i="1" dirty="0" smtClean="0">
+                        <a:solidFill>
+                          <a:schemeClr val="accent1">
+                            <a:lumMod val="50000"/>
+                          </a:schemeClr>
+                        </a:solidFill>
+                        <a:latin typeface="Cambria Math" panose="02040503050406030204" pitchFamily="18" charset="0"/>
+                      </a:rPr>
+                      <m:t>=</m:t>
+                    </m:r>
+                    <m:d>
+                      <m:dPr>
+                        <m:ctrlPr>
+                          <a:rPr lang="en-US" altLang="zh-CN" i="1" dirty="0" smtClean="0">
+                            <a:solidFill>
+                              <a:schemeClr val="accent1">
+                                <a:lumMod val="50000"/>
+                              </a:schemeClr>
+                            </a:solidFill>
+                            <a:latin typeface="Cambria Math" panose="02040503050406030204" pitchFamily="18" charset="0"/>
+                          </a:rPr>
+                        </m:ctrlPr>
+                      </m:dPr>
+                      <m:e>
+                        <m:r>
+                          <a:rPr lang="en-US" altLang="zh-CN" i="1" dirty="0" smtClean="0">
+                            <a:solidFill>
+                              <a:schemeClr val="accent1">
+                                <a:lumMod val="50000"/>
+                              </a:schemeClr>
+                            </a:solidFill>
+                            <a:latin typeface="Cambria Math" panose="02040503050406030204" pitchFamily="18" charset="0"/>
+                          </a:rPr>
+                          <m:t>𝑇𝑁</m:t>
+                        </m:r>
+                        <m:r>
+                          <a:rPr lang="en-US" altLang="zh-CN" i="1" dirty="0" smtClean="0">
+                            <a:solidFill>
+                              <a:schemeClr val="accent1">
+                                <a:lumMod val="50000"/>
+                              </a:schemeClr>
+                            </a:solidFill>
+                            <a:latin typeface="Cambria Math" panose="02040503050406030204" pitchFamily="18" charset="0"/>
+                          </a:rPr>
+                          <m:t>+</m:t>
+                        </m:r>
+                        <m:r>
+                          <a:rPr lang="en-US" altLang="zh-CN" i="1" dirty="0" smtClean="0">
+                            <a:solidFill>
+                              <a:schemeClr val="accent1">
+                                <a:lumMod val="50000"/>
+                              </a:schemeClr>
+                            </a:solidFill>
+                            <a:latin typeface="Cambria Math" panose="02040503050406030204" pitchFamily="18" charset="0"/>
+                          </a:rPr>
+                          <m:t>𝑇𝑃</m:t>
+                        </m:r>
+                      </m:e>
+                    </m:d>
+                    <m:r>
+                      <a:rPr lang="en-US" altLang="zh-CN" b="0" i="1" dirty="0" smtClean="0">
+                        <a:solidFill>
+                          <a:schemeClr val="accent1">
+                            <a:lumMod val="50000"/>
+                          </a:schemeClr>
+                        </a:solidFill>
+                        <a:latin typeface="Cambria Math" panose="02040503050406030204" pitchFamily="18" charset="0"/>
+                      </a:rPr>
+                      <m:t>/ (</m:t>
+                    </m:r>
+                    <m:r>
+                      <a:rPr lang="en-US" altLang="zh-CN" b="0" i="1" dirty="0" smtClean="0">
+                        <a:solidFill>
+                          <a:schemeClr val="accent1">
+                            <a:lumMod val="50000"/>
+                          </a:schemeClr>
+                        </a:solidFill>
+                        <a:latin typeface="Cambria Math" panose="02040503050406030204" pitchFamily="18" charset="0"/>
+                      </a:rPr>
+                      <m:t>𝑇𝑁</m:t>
+                    </m:r>
+                    <m:r>
+                      <a:rPr lang="en-US" altLang="zh-CN" b="0" i="1" dirty="0" smtClean="0">
+                        <a:solidFill>
+                          <a:schemeClr val="accent1">
+                            <a:lumMod val="50000"/>
+                          </a:schemeClr>
+                        </a:solidFill>
+                        <a:latin typeface="Cambria Math" panose="02040503050406030204" pitchFamily="18" charset="0"/>
+                      </a:rPr>
+                      <m:t>+</m:t>
+                    </m:r>
+                    <m:r>
+                      <a:rPr lang="en-US" altLang="zh-CN" b="0" i="1" dirty="0" smtClean="0">
+                        <a:solidFill>
+                          <a:schemeClr val="accent1">
+                            <a:lumMod val="50000"/>
+                          </a:schemeClr>
+                        </a:solidFill>
+                        <a:latin typeface="Cambria Math" panose="02040503050406030204" pitchFamily="18" charset="0"/>
+                      </a:rPr>
+                      <m:t>𝐹𝑃</m:t>
+                    </m:r>
+                    <m:r>
+                      <a:rPr lang="en-US" altLang="zh-CN" b="0" i="1" dirty="0" smtClean="0">
+                        <a:solidFill>
+                          <a:schemeClr val="accent1">
+                            <a:lumMod val="50000"/>
+                          </a:schemeClr>
+                        </a:solidFill>
+                        <a:latin typeface="Cambria Math" panose="02040503050406030204" pitchFamily="18" charset="0"/>
+                      </a:rPr>
+                      <m:t>+</m:t>
+                    </m:r>
+                    <m:r>
+                      <a:rPr lang="en-US" altLang="zh-CN" b="0" i="1" dirty="0" smtClean="0">
+                        <a:solidFill>
+                          <a:schemeClr val="accent1">
+                            <a:lumMod val="50000"/>
+                          </a:schemeClr>
+                        </a:solidFill>
+                        <a:latin typeface="Cambria Math" panose="02040503050406030204" pitchFamily="18" charset="0"/>
+                      </a:rPr>
+                      <m:t>𝐹𝑁</m:t>
+                    </m:r>
+                    <m:r>
+                      <a:rPr lang="en-US" altLang="zh-CN" b="0" i="1" dirty="0" smtClean="0">
+                        <a:solidFill>
+                          <a:schemeClr val="accent1">
+                            <a:lumMod val="50000"/>
+                          </a:schemeClr>
+                        </a:solidFill>
+                        <a:latin typeface="Cambria Math" panose="02040503050406030204" pitchFamily="18" charset="0"/>
+                      </a:rPr>
+                      <m:t>+</m:t>
+                    </m:r>
+                    <m:r>
+                      <a:rPr lang="en-US" altLang="zh-CN" b="0" i="1" dirty="0" smtClean="0">
+                        <a:solidFill>
+                          <a:schemeClr val="accent1">
+                            <a:lumMod val="50000"/>
+                          </a:schemeClr>
+                        </a:solidFill>
+                        <a:latin typeface="Cambria Math" panose="02040503050406030204" pitchFamily="18" charset="0"/>
+                      </a:rPr>
+                      <m:t>𝑇𝑃</m:t>
+                    </m:r>
+                    <m:r>
+                      <a:rPr lang="en-US" altLang="zh-CN" b="0" i="1" dirty="0" smtClean="0">
+                        <a:solidFill>
+                          <a:schemeClr val="accent1">
+                            <a:lumMod val="50000"/>
+                          </a:schemeClr>
+                        </a:solidFill>
+                        <a:latin typeface="Cambria Math" panose="02040503050406030204" pitchFamily="18" charset="0"/>
+                      </a:rPr>
+                      <m:t>)</m:t>
+                    </m:r>
+                  </m:oMath>
+                </a14:m>
+                <a:endParaRPr lang="en-US" altLang="zh-CN" dirty="0">
+                  <a:solidFill>
+                    <a:schemeClr val="accent1">
+                      <a:lumMod val="50000"/>
+                    </a:schemeClr>
+                  </a:solidFill>
+                </a:endParaRPr>
+              </a:p>
+              <a:p>
+                <a:pPr marL="457200" indent="-457200" algn="just">
+                  <a:lnSpc>
+                    <a:spcPct val="150000"/>
+                  </a:lnSpc>
+                  <a:buFont typeface="+mj-lt"/>
+                  <a:buAutoNum type="arabicPeriod"/>
+                </a:pPr>
+                <a14:m>
+                  <m:oMath xmlns:m="http://schemas.openxmlformats.org/officeDocument/2006/math">
+                    <m:r>
+                      <a:rPr lang="en-US" altLang="zh-CN" b="0" i="1" dirty="0" smtClean="0">
+                        <a:solidFill>
+                          <a:schemeClr val="accent1">
+                            <a:lumMod val="50000"/>
+                          </a:schemeClr>
+                        </a:solidFill>
+                        <a:latin typeface="Cambria Math" panose="02040503050406030204" pitchFamily="18" charset="0"/>
+                      </a:rPr>
+                      <m:t>𝑆𝑒𝑛𝑠𝑖𝑡𝑖𝑣𝑖𝑡𝑦</m:t>
+                    </m:r>
+                    <m:r>
+                      <a:rPr lang="en-US" altLang="zh-CN" b="0" i="1" dirty="0" smtClean="0">
+                        <a:solidFill>
+                          <a:schemeClr val="accent1">
+                            <a:lumMod val="50000"/>
+                          </a:schemeClr>
+                        </a:solidFill>
+                        <a:latin typeface="Cambria Math" panose="02040503050406030204" pitchFamily="18" charset="0"/>
+                      </a:rPr>
+                      <m:t>=</m:t>
+                    </m:r>
+                    <m:r>
+                      <a:rPr lang="en-US" altLang="zh-CN" b="0" i="1" dirty="0" smtClean="0">
+                        <a:solidFill>
+                          <a:schemeClr val="accent1">
+                            <a:lumMod val="50000"/>
+                          </a:schemeClr>
+                        </a:solidFill>
+                        <a:latin typeface="Cambria Math" panose="02040503050406030204" pitchFamily="18" charset="0"/>
+                      </a:rPr>
+                      <m:t>𝑇𝑃</m:t>
+                    </m:r>
+                    <m:r>
+                      <a:rPr lang="en-US" altLang="zh-CN" i="1" dirty="0">
+                        <a:solidFill>
+                          <a:schemeClr val="accent1">
+                            <a:lumMod val="50000"/>
+                          </a:schemeClr>
+                        </a:solidFill>
+                        <a:latin typeface="Cambria Math" panose="02040503050406030204" pitchFamily="18" charset="0"/>
+                      </a:rPr>
+                      <m:t>/ (</m:t>
+                    </m:r>
+                    <m:r>
+                      <a:rPr lang="en-US" altLang="zh-CN" b="0" i="1" dirty="0" smtClean="0">
+                        <a:solidFill>
+                          <a:schemeClr val="accent1">
+                            <a:lumMod val="50000"/>
+                          </a:schemeClr>
+                        </a:solidFill>
+                        <a:latin typeface="Cambria Math" panose="02040503050406030204" pitchFamily="18" charset="0"/>
+                      </a:rPr>
+                      <m:t>𝑇𝑃</m:t>
+                    </m:r>
+                    <m:r>
+                      <a:rPr lang="en-US" altLang="zh-CN" b="0" i="1" dirty="0" smtClean="0">
+                        <a:solidFill>
+                          <a:schemeClr val="accent1">
+                            <a:lumMod val="50000"/>
+                          </a:schemeClr>
+                        </a:solidFill>
+                        <a:latin typeface="Cambria Math" panose="02040503050406030204" pitchFamily="18" charset="0"/>
+                      </a:rPr>
+                      <m:t>+</m:t>
+                    </m:r>
+                    <m:r>
+                      <a:rPr lang="en-US" altLang="zh-CN" b="0" i="1" dirty="0" smtClean="0">
+                        <a:solidFill>
+                          <a:schemeClr val="accent1">
+                            <a:lumMod val="50000"/>
+                          </a:schemeClr>
+                        </a:solidFill>
+                        <a:latin typeface="Cambria Math" panose="02040503050406030204" pitchFamily="18" charset="0"/>
+                      </a:rPr>
+                      <m:t>𝐹𝑁</m:t>
+                    </m:r>
+                    <m:r>
+                      <a:rPr lang="en-US" altLang="zh-CN" i="1" dirty="0">
+                        <a:solidFill>
+                          <a:schemeClr val="accent1">
+                            <a:lumMod val="50000"/>
+                          </a:schemeClr>
+                        </a:solidFill>
+                        <a:latin typeface="Cambria Math" panose="02040503050406030204" pitchFamily="18" charset="0"/>
+                      </a:rPr>
+                      <m:t>)</m:t>
+                    </m:r>
+                  </m:oMath>
+                </a14:m>
+                <a:endParaRPr lang="en-US" altLang="zh-CN" dirty="0">
+                  <a:solidFill>
+                    <a:schemeClr val="accent1">
+                      <a:lumMod val="50000"/>
+                    </a:schemeClr>
+                  </a:solidFill>
+                </a:endParaRPr>
+              </a:p>
+              <a:p>
+                <a:pPr marL="457200" indent="-457200" algn="just">
+                  <a:lnSpc>
+                    <a:spcPct val="150000"/>
+                  </a:lnSpc>
+                  <a:buFont typeface="+mj-lt"/>
+                  <a:buAutoNum type="arabicPeriod"/>
+                </a:pPr>
+                <a14:m>
+                  <m:oMath xmlns:m="http://schemas.openxmlformats.org/officeDocument/2006/math">
+                    <m:r>
+                      <a:rPr lang="en-US" altLang="zh-CN" b="0" i="1" dirty="0" smtClean="0">
+                        <a:solidFill>
+                          <a:schemeClr val="accent1">
+                            <a:lumMod val="50000"/>
+                          </a:schemeClr>
+                        </a:solidFill>
+                        <a:latin typeface="Cambria Math" panose="02040503050406030204" pitchFamily="18" charset="0"/>
+                      </a:rPr>
+                      <m:t>𝑆𝑝𝑒𝑐𝑖𝑓𝑖𝑐𝑖𝑡𝑦</m:t>
+                    </m:r>
+                    <m:r>
+                      <a:rPr lang="en-US" altLang="zh-CN" i="1" dirty="0">
+                        <a:solidFill>
+                          <a:schemeClr val="accent1">
+                            <a:lumMod val="50000"/>
+                          </a:schemeClr>
+                        </a:solidFill>
+                        <a:latin typeface="Cambria Math" panose="02040503050406030204" pitchFamily="18" charset="0"/>
+                      </a:rPr>
+                      <m:t>=</m:t>
+                    </m:r>
+                    <m:r>
+                      <a:rPr lang="en-US" altLang="zh-CN" b="0" i="1" dirty="0" smtClean="0">
+                        <a:solidFill>
+                          <a:schemeClr val="accent1">
+                            <a:lumMod val="50000"/>
+                          </a:schemeClr>
+                        </a:solidFill>
+                        <a:latin typeface="Cambria Math" panose="02040503050406030204" pitchFamily="18" charset="0"/>
+                      </a:rPr>
+                      <m:t>𝑇𝑁</m:t>
+                    </m:r>
+                    <m:r>
+                      <a:rPr lang="en-US" altLang="zh-CN" i="1" dirty="0">
+                        <a:solidFill>
+                          <a:schemeClr val="accent1">
+                            <a:lumMod val="50000"/>
+                          </a:schemeClr>
+                        </a:solidFill>
+                        <a:latin typeface="Cambria Math" panose="02040503050406030204" pitchFamily="18" charset="0"/>
+                      </a:rPr>
+                      <m:t>/ (</m:t>
+                    </m:r>
+                    <m:r>
+                      <a:rPr lang="en-US" altLang="zh-CN" b="0" i="1" dirty="0" smtClean="0">
+                        <a:solidFill>
+                          <a:schemeClr val="accent1">
+                            <a:lumMod val="50000"/>
+                          </a:schemeClr>
+                        </a:solidFill>
+                        <a:latin typeface="Cambria Math" panose="02040503050406030204" pitchFamily="18" charset="0"/>
+                      </a:rPr>
+                      <m:t>𝑇𝑁</m:t>
+                    </m:r>
+                    <m:r>
+                      <a:rPr lang="en-US" altLang="zh-CN" b="0" i="1" dirty="0" smtClean="0">
+                        <a:solidFill>
+                          <a:schemeClr val="accent1">
+                            <a:lumMod val="50000"/>
+                          </a:schemeClr>
+                        </a:solidFill>
+                        <a:latin typeface="Cambria Math" panose="02040503050406030204" pitchFamily="18" charset="0"/>
+                      </a:rPr>
+                      <m:t>+</m:t>
+                    </m:r>
+                    <m:r>
+                      <a:rPr lang="en-US" altLang="zh-CN" b="0" i="1" dirty="0" smtClean="0">
+                        <a:solidFill>
+                          <a:schemeClr val="accent1">
+                            <a:lumMod val="50000"/>
+                          </a:schemeClr>
+                        </a:solidFill>
+                        <a:latin typeface="Cambria Math" panose="02040503050406030204" pitchFamily="18" charset="0"/>
+                      </a:rPr>
+                      <m:t>𝐹𝑃</m:t>
+                    </m:r>
+                    <m:r>
+                      <a:rPr lang="en-US" altLang="zh-CN" i="1" dirty="0">
+                        <a:solidFill>
+                          <a:schemeClr val="accent1">
+                            <a:lumMod val="50000"/>
+                          </a:schemeClr>
+                        </a:solidFill>
+                        <a:latin typeface="Cambria Math" panose="02040503050406030204" pitchFamily="18" charset="0"/>
+                      </a:rPr>
+                      <m:t>)</m:t>
+                    </m:r>
+                  </m:oMath>
+                </a14:m>
+                <a:endParaRPr lang="en-US" altLang="zh-CN" dirty="0">
+                  <a:solidFill>
+                    <a:schemeClr val="accent1">
+                      <a:lumMod val="50000"/>
+                    </a:schemeClr>
+                  </a:solidFill>
+                </a:endParaRPr>
+              </a:p>
+              <a:p>
+                <a:pPr marL="457200" indent="-457200" algn="just">
+                  <a:lnSpc>
+                    <a:spcPct val="150000"/>
+                  </a:lnSpc>
+                  <a:buFont typeface="+mj-lt"/>
+                  <a:buAutoNum type="arabicPeriod"/>
+                </a:pPr>
+                <a14:m>
+                  <m:oMath xmlns:m="http://schemas.openxmlformats.org/officeDocument/2006/math">
+                    <m:r>
+                      <a:rPr lang="en-US" altLang="zh-CN" b="0" i="1" dirty="0" smtClean="0">
+                        <a:solidFill>
+                          <a:schemeClr val="accent1">
+                            <a:lumMod val="50000"/>
+                          </a:schemeClr>
+                        </a:solidFill>
+                        <a:latin typeface="Cambria Math" panose="02040503050406030204" pitchFamily="18" charset="0"/>
+                      </a:rPr>
+                      <m:t>𝑃𝑟𝑒𝑐𝑖𝑠𝑖𝑜𝑛</m:t>
+                    </m:r>
+                    <m:r>
+                      <a:rPr lang="en-US" altLang="zh-CN" b="0" i="1" dirty="0" smtClean="0">
+                        <a:solidFill>
+                          <a:schemeClr val="accent1">
+                            <a:lumMod val="50000"/>
+                          </a:schemeClr>
+                        </a:solidFill>
+                        <a:latin typeface="Cambria Math" panose="02040503050406030204" pitchFamily="18" charset="0"/>
+                      </a:rPr>
+                      <m:t>=</m:t>
+                    </m:r>
+                    <m:r>
+                      <a:rPr lang="en-US" altLang="zh-CN" b="0" i="1" dirty="0" smtClean="0">
+                        <a:solidFill>
+                          <a:schemeClr val="accent1">
+                            <a:lumMod val="50000"/>
+                          </a:schemeClr>
+                        </a:solidFill>
+                        <a:latin typeface="Cambria Math" panose="02040503050406030204" pitchFamily="18" charset="0"/>
+                      </a:rPr>
+                      <m:t>𝑇𝑃</m:t>
+                    </m:r>
+                    <m:r>
+                      <a:rPr lang="en-US" altLang="zh-CN" i="1" dirty="0">
+                        <a:solidFill>
+                          <a:schemeClr val="accent1">
+                            <a:lumMod val="50000"/>
+                          </a:schemeClr>
+                        </a:solidFill>
+                        <a:latin typeface="Cambria Math" panose="02040503050406030204" pitchFamily="18" charset="0"/>
+                      </a:rPr>
+                      <m:t>/ (</m:t>
+                    </m:r>
+                    <m:r>
+                      <a:rPr lang="en-US" altLang="zh-CN" b="0" i="1" dirty="0" smtClean="0">
+                        <a:solidFill>
+                          <a:schemeClr val="accent1">
+                            <a:lumMod val="50000"/>
+                          </a:schemeClr>
+                        </a:solidFill>
+                        <a:latin typeface="Cambria Math" panose="02040503050406030204" pitchFamily="18" charset="0"/>
+                      </a:rPr>
+                      <m:t>𝑇𝑃</m:t>
+                    </m:r>
+                    <m:r>
+                      <a:rPr lang="en-US" altLang="zh-CN" b="0" i="1" dirty="0" smtClean="0">
+                        <a:solidFill>
+                          <a:schemeClr val="accent1">
+                            <a:lumMod val="50000"/>
+                          </a:schemeClr>
+                        </a:solidFill>
+                        <a:latin typeface="Cambria Math" panose="02040503050406030204" pitchFamily="18" charset="0"/>
+                      </a:rPr>
+                      <m:t>+</m:t>
+                    </m:r>
+                    <m:r>
+                      <a:rPr lang="en-US" altLang="zh-CN" b="0" i="1" dirty="0" smtClean="0">
+                        <a:solidFill>
+                          <a:schemeClr val="accent1">
+                            <a:lumMod val="50000"/>
+                          </a:schemeClr>
+                        </a:solidFill>
+                        <a:latin typeface="Cambria Math" panose="02040503050406030204" pitchFamily="18" charset="0"/>
+                      </a:rPr>
+                      <m:t>𝐹𝑃</m:t>
+                    </m:r>
+                    <m:r>
+                      <a:rPr lang="en-US" altLang="zh-CN" i="1" dirty="0">
+                        <a:solidFill>
+                          <a:schemeClr val="accent1">
+                            <a:lumMod val="50000"/>
+                          </a:schemeClr>
+                        </a:solidFill>
+                        <a:latin typeface="Cambria Math" panose="02040503050406030204" pitchFamily="18" charset="0"/>
+                      </a:rPr>
+                      <m:t>)</m:t>
+                    </m:r>
+                  </m:oMath>
+                </a14:m>
+                <a:endParaRPr lang="en-US" altLang="zh-CN" dirty="0">
+                  <a:solidFill>
+                    <a:schemeClr val="accent1">
+                      <a:lumMod val="50000"/>
+                    </a:schemeClr>
+                  </a:solidFill>
+                </a:endParaRPr>
+              </a:p>
+              <a:p>
+                <a:pPr marL="457200" indent="-457200" algn="just">
+                  <a:lnSpc>
+                    <a:spcPct val="150000"/>
+                  </a:lnSpc>
+                  <a:buFont typeface="+mj-lt"/>
+                  <a:buAutoNum type="arabicPeriod"/>
+                </a:pPr>
+                <a:endParaRPr lang="en-US" altLang="zh-CN" dirty="0">
+                  <a:solidFill>
+                    <a:schemeClr val="accent1">
+                      <a:lumMod val="50000"/>
+                    </a:schemeClr>
+                  </a:solidFill>
+                </a:endParaRPr>
+              </a:p>
+            </p:txBody>
+          </p:sp>
+        </mc:Choice>
+        <mc:Fallback>
+          <p:sp>
+            <p:nvSpPr>
+              <p:cNvPr id="22" name="文本框 21">
+                <a:extLst>
+                  <a:ext uri="{FF2B5EF4-FFF2-40B4-BE49-F238E27FC236}">
+                    <a16:creationId xmlns:a16="http://schemas.microsoft.com/office/drawing/2014/main" id="{3076270D-18C6-51EC-7B16-A99D29953AE5}"/>
+                  </a:ext>
+                </a:extLst>
+              </p:cNvPr>
+              <p:cNvSpPr txBox="1">
+                <a:spLocks noRot="1" noChangeAspect="1" noMove="1" noResize="1" noEditPoints="1" noAdjustHandles="1" noChangeArrowheads="1" noChangeShapeType="1" noTextEdit="1"/>
+              </p:cNvSpPr>
+              <p:nvPr/>
+            </p:nvSpPr>
+            <p:spPr>
+              <a:xfrm>
+                <a:off x="1184032" y="1272540"/>
+                <a:ext cx="9823934" cy="5450851"/>
+              </a:xfrm>
+              <a:prstGeom prst="rect">
+                <a:avLst/>
+              </a:prstGeom>
+              <a:blipFill>
+                <a:blip r:embed="rId2"/>
+                <a:stretch>
+                  <a:fillRect l="-496" r="-558"/>
+                </a:stretch>
+              </a:blipFill>
+            </p:spPr>
+            <p:txBody>
+              <a:bodyPr/>
+              <a:lstStyle/>
+              <a:p>
+                <a:r>
+                  <a:rPr lang="zh-CN" altLang="en-US">
+                    <a:noFill/>
+                  </a:rPr>
+                  <a:t> </a:t>
+                </a:r>
+              </a:p>
+            </p:txBody>
+          </p:sp>
+        </mc:Fallback>
+      </mc:AlternateContent>
+      <p:sp>
+        <p:nvSpPr>
+          <p:cNvPr id="29" name="矩形 28">
+            <a:extLst>
+              <a:ext uri="{FF2B5EF4-FFF2-40B4-BE49-F238E27FC236}">
+                <a16:creationId xmlns:a16="http://schemas.microsoft.com/office/drawing/2014/main" id="{0F68C09F-0045-703E-B854-BAC36B7284A3}"/>
+              </a:ext>
+            </a:extLst>
+          </p:cNvPr>
+          <p:cNvSpPr/>
+          <p:nvPr/>
+        </p:nvSpPr>
+        <p:spPr>
+          <a:xfrm>
+            <a:off x="792275" y="1141422"/>
+            <a:ext cx="7530631" cy="45719"/>
+          </a:xfrm>
+          <a:prstGeom prst="rect">
+            <a:avLst/>
+          </a:prstGeom>
+          <a:solidFill>
+            <a:schemeClr val="accent2">
+              <a:alpha val="50000"/>
+            </a:schemeClr>
+          </a:solidFill>
+          <a:ln>
+            <a:noFill/>
+          </a:ln>
+        </p:spPr>
+        <p:style>
+          <a:lnRef idx="2">
+            <a:schemeClr val="accent1">
+              <a:shade val="50000"/>
+            </a:schemeClr>
+          </a:lnRef>
+          <a:fillRef idx="1">
+            <a:schemeClr val="accent1"/>
+          </a:fillRef>
+          <a:effectRef idx="0">
+            <a:schemeClr val="accent1"/>
+          </a:effectRef>
+          <a:fontRef idx="minor">
+            <a:schemeClr val="lt1"/>
+          </a:fontRef>
+        </p:style>
+        <p:txBody>
+          <a:bodyPr rtlCol="0" anchor="ctr"/>
+          <a:lstStyle/>
+          <a:p>
+            <a:pPr algn="ctr"/>
+            <a:endParaRPr lang="zh-CN" altLang="en-US"/>
+          </a:p>
+        </p:txBody>
+      </p:sp>
+      <p:graphicFrame>
+        <p:nvGraphicFramePr>
+          <p:cNvPr id="7" name="表格 6">
+            <a:extLst>
+              <a:ext uri="{FF2B5EF4-FFF2-40B4-BE49-F238E27FC236}">
+                <a16:creationId xmlns:a16="http://schemas.microsoft.com/office/drawing/2014/main" id="{61619B01-0CCE-F54A-3DE3-05AABCA945BD}"/>
+              </a:ext>
+            </a:extLst>
+          </p:cNvPr>
+          <p:cNvGraphicFramePr>
+            <a:graphicFrameLocks noGrp="1"/>
+          </p:cNvGraphicFramePr>
+          <p:nvPr>
+            <p:extLst>
+              <p:ext uri="{D42A27DB-BD31-4B8C-83A1-F6EECF244321}">
+                <p14:modId xmlns:p14="http://schemas.microsoft.com/office/powerpoint/2010/main" val="2177502825"/>
+              </p:ext>
+            </p:extLst>
+          </p:nvPr>
+        </p:nvGraphicFramePr>
+        <p:xfrm>
+          <a:off x="4540566" y="3334009"/>
+          <a:ext cx="3110865" cy="1112520"/>
+        </p:xfrm>
+        <a:graphic>
+          <a:graphicData uri="http://schemas.openxmlformats.org/drawingml/2006/table">
+            <a:tbl>
+              <a:tblPr firstRow="1" bandRow="1">
+                <a:tableStyleId>{5C22544A-7EE6-4342-B048-85BDC9FD1C3A}</a:tableStyleId>
+              </a:tblPr>
+              <a:tblGrid>
+                <a:gridCol w="1036955">
+                  <a:extLst>
+                    <a:ext uri="{9D8B030D-6E8A-4147-A177-3AD203B41FA5}">
+                      <a16:colId xmlns:a16="http://schemas.microsoft.com/office/drawing/2014/main" val="3676683777"/>
+                    </a:ext>
+                  </a:extLst>
+                </a:gridCol>
+                <a:gridCol w="1036955">
+                  <a:extLst>
+                    <a:ext uri="{9D8B030D-6E8A-4147-A177-3AD203B41FA5}">
+                      <a16:colId xmlns:a16="http://schemas.microsoft.com/office/drawing/2014/main" val="848645080"/>
+                    </a:ext>
+                  </a:extLst>
+                </a:gridCol>
+                <a:gridCol w="1036955">
+                  <a:extLst>
+                    <a:ext uri="{9D8B030D-6E8A-4147-A177-3AD203B41FA5}">
+                      <a16:colId xmlns:a16="http://schemas.microsoft.com/office/drawing/2014/main" val="955609726"/>
+                    </a:ext>
+                  </a:extLst>
+                </a:gridCol>
+              </a:tblGrid>
+              <a:tr h="370840">
+                <a:tc>
+                  <a:txBody>
+                    <a:bodyPr/>
+                    <a:lstStyle/>
+                    <a:p>
+                      <a:pPr algn="ctr"/>
+                      <a:endParaRPr lang="zh-CN" altLang="en-US" dirty="0"/>
+                    </a:p>
+                  </a:txBody>
+                  <a:tcPr/>
+                </a:tc>
+                <a:tc>
+                  <a:txBody>
+                    <a:bodyPr/>
+                    <a:lstStyle/>
+                    <a:p>
+                      <a:pPr algn="ctr"/>
+                      <a:r>
+                        <a:rPr lang="zh-CN" altLang="en-US" dirty="0"/>
+                        <a:t>预测为</a:t>
+                      </a:r>
+                      <a:r>
+                        <a:rPr lang="en-US" altLang="zh-CN" dirty="0"/>
+                        <a:t>0</a:t>
+                      </a:r>
+                      <a:endParaRPr lang="zh-CN" altLang="en-US" dirty="0"/>
+                    </a:p>
+                  </a:txBody>
+                  <a:tcPr/>
+                </a:tc>
+                <a:tc>
+                  <a:txBody>
+                    <a:bodyPr/>
+                    <a:lstStyle/>
+                    <a:p>
+                      <a:pPr algn="ctr"/>
+                      <a:r>
+                        <a:rPr lang="zh-CN" altLang="en-US" dirty="0"/>
+                        <a:t>预测为</a:t>
+                      </a:r>
+                      <a:r>
+                        <a:rPr lang="en-US" altLang="zh-CN" dirty="0"/>
+                        <a:t>1</a:t>
+                      </a:r>
+                      <a:endParaRPr lang="zh-CN" altLang="en-US" dirty="0"/>
+                    </a:p>
+                  </a:txBody>
+                  <a:tcPr/>
+                </a:tc>
+                <a:extLst>
+                  <a:ext uri="{0D108BD9-81ED-4DB2-BD59-A6C34878D82A}">
+                    <a16:rowId xmlns:a16="http://schemas.microsoft.com/office/drawing/2014/main" val="2325963851"/>
+                  </a:ext>
+                </a:extLst>
+              </a:tr>
+              <a:tr h="370840">
+                <a:tc>
+                  <a:txBody>
+                    <a:bodyPr/>
+                    <a:lstStyle/>
+                    <a:p>
+                      <a:pPr algn="ctr"/>
+                      <a:r>
+                        <a:rPr lang="zh-CN" altLang="en-US" dirty="0"/>
+                        <a:t>真实为</a:t>
+                      </a:r>
+                      <a:r>
+                        <a:rPr lang="en-US" altLang="zh-CN" dirty="0"/>
+                        <a:t>0</a:t>
+                      </a:r>
+                      <a:endParaRPr lang="zh-CN" altLang="en-US" dirty="0"/>
+                    </a:p>
+                  </a:txBody>
+                  <a:tcPr/>
+                </a:tc>
+                <a:tc>
+                  <a:txBody>
+                    <a:bodyPr/>
+                    <a:lstStyle/>
+                    <a:p>
+                      <a:pPr algn="ctr"/>
+                      <a:r>
+                        <a:rPr lang="en-US" altLang="zh-CN" dirty="0"/>
+                        <a:t>TN</a:t>
+                      </a:r>
+                      <a:endParaRPr lang="zh-CN" altLang="en-US" dirty="0"/>
+                    </a:p>
+                  </a:txBody>
+                  <a:tcPr/>
+                </a:tc>
+                <a:tc>
+                  <a:txBody>
+                    <a:bodyPr/>
+                    <a:lstStyle/>
+                    <a:p>
+                      <a:pPr algn="ctr"/>
+                      <a:r>
+                        <a:rPr lang="en-US" altLang="zh-CN" dirty="0"/>
+                        <a:t>FP</a:t>
+                      </a:r>
+                      <a:endParaRPr lang="zh-CN" altLang="en-US" dirty="0"/>
+                    </a:p>
+                  </a:txBody>
+                  <a:tcPr/>
+                </a:tc>
+                <a:extLst>
+                  <a:ext uri="{0D108BD9-81ED-4DB2-BD59-A6C34878D82A}">
+                    <a16:rowId xmlns:a16="http://schemas.microsoft.com/office/drawing/2014/main" val="327673962"/>
+                  </a:ext>
+                </a:extLst>
+              </a:tr>
+              <a:tr h="370840">
+                <a:tc>
+                  <a:txBody>
+                    <a:bodyPr/>
+                    <a:lstStyle/>
+                    <a:p>
+                      <a:pPr algn="ctr"/>
+                      <a:r>
+                        <a:rPr lang="zh-CN" altLang="en-US" dirty="0"/>
+                        <a:t>真实为</a:t>
+                      </a:r>
+                      <a:r>
+                        <a:rPr lang="en-US" altLang="zh-CN" dirty="0"/>
+                        <a:t>1</a:t>
+                      </a:r>
+                      <a:endParaRPr lang="zh-CN" altLang="en-US" dirty="0"/>
+                    </a:p>
+                  </a:txBody>
+                  <a:tcPr/>
+                </a:tc>
+                <a:tc>
+                  <a:txBody>
+                    <a:bodyPr/>
+                    <a:lstStyle/>
+                    <a:p>
+                      <a:pPr algn="ctr"/>
+                      <a:r>
+                        <a:rPr lang="en-US" altLang="zh-CN" dirty="0"/>
+                        <a:t>FN</a:t>
+                      </a:r>
+                      <a:endParaRPr lang="zh-CN" altLang="en-US" dirty="0"/>
+                    </a:p>
+                  </a:txBody>
+                  <a:tcPr/>
+                </a:tc>
+                <a:tc>
+                  <a:txBody>
+                    <a:bodyPr/>
+                    <a:lstStyle/>
+                    <a:p>
+                      <a:pPr algn="ctr"/>
+                      <a:r>
+                        <a:rPr lang="en-US" altLang="zh-CN" dirty="0"/>
+                        <a:t>TP</a:t>
+                      </a:r>
+                      <a:endParaRPr lang="zh-CN" altLang="en-US" dirty="0"/>
+                    </a:p>
+                  </a:txBody>
+                  <a:tcPr/>
+                </a:tc>
+                <a:extLst>
+                  <a:ext uri="{0D108BD9-81ED-4DB2-BD59-A6C34878D82A}">
+                    <a16:rowId xmlns:a16="http://schemas.microsoft.com/office/drawing/2014/main" val="3118868649"/>
+                  </a:ext>
+                </a:extLst>
+              </a:tr>
+            </a:tbl>
+          </a:graphicData>
+        </a:graphic>
+      </p:graphicFrame>
+    </p:spTree>
+    <p:extLst>
+      <p:ext uri="{BB962C8B-B14F-4D97-AF65-F5344CB8AC3E}">
+        <p14:creationId xmlns:p14="http://schemas.microsoft.com/office/powerpoint/2010/main" val="3356578275"/>
+      </p:ext>
+    </p:extLst>
+  </p:cSld>
+  <p:clrMapOvr>
+    <a:masterClrMapping/>
+  </p:clrMapOvr>
+  <p:timing>
+    <p:tnLst>
+      <p:par>
+        <p:cTn id="1" dur="indefinite" restart="never" nodeType="tmRoot">
+          <p:childTnLst>
+            <p:seq concurrent="1" nextAc="seek">
+              <p:cTn id="2" dur="indefinite" nodeType="mainSeq">
+                <p:childTnLst>
+                  <p:par>
+                    <p:cTn id="3" fill="hold">
+                      <p:stCondLst>
+                        <p:cond delay="indefinite"/>
+                        <p:cond evt="onBegin" delay="0">
+                          <p:tn val="2"/>
+                        </p:cond>
+                      </p:stCondLst>
+                      <p:childTnLst>
+                        <p:par>
+                          <p:cTn id="4" fill="hold">
+                            <p:stCondLst>
+                              <p:cond delay="0"/>
+                            </p:stCondLst>
+                            <p:childTnLst>
+                              <p:par>
+                                <p:cTn id="5" presetID="2" presetClass="entr" presetSubtype="8" fill="hold" grpId="0" nodeType="withEffect">
+                                  <p:stCondLst>
+                                    <p:cond delay="0"/>
+                                  </p:stCondLst>
+                                  <p:childTnLst>
+                                    <p:set>
+                                      <p:cBhvr>
+                                        <p:cTn id="6" dur="1" fill="hold">
+                                          <p:stCondLst>
+                                            <p:cond delay="0"/>
+                                          </p:stCondLst>
+                                        </p:cTn>
+                                        <p:tgtEl>
+                                          <p:spTgt spid="13"/>
+                                        </p:tgtEl>
+                                        <p:attrNameLst>
+                                          <p:attrName>style.visibility</p:attrName>
+                                        </p:attrNameLst>
+                                      </p:cBhvr>
+                                      <p:to>
+                                        <p:strVal val="visible"/>
+                                      </p:to>
+                                    </p:set>
+                                    <p:anim calcmode="lin" valueType="num">
+                                      <p:cBhvr additive="base">
+                                        <p:cTn id="7" dur="500" fill="hold"/>
+                                        <p:tgtEl>
+                                          <p:spTgt spid="13"/>
+                                        </p:tgtEl>
+                                        <p:attrNameLst>
+                                          <p:attrName>ppt_x</p:attrName>
+                                        </p:attrNameLst>
+                                      </p:cBhvr>
+                                      <p:tavLst>
+                                        <p:tav tm="0">
+                                          <p:val>
+                                            <p:strVal val="0-#ppt_w/2"/>
+                                          </p:val>
+                                        </p:tav>
+                                        <p:tav tm="100000">
+                                          <p:val>
+                                            <p:strVal val="#ppt_x"/>
+                                          </p:val>
+                                        </p:tav>
+                                      </p:tavLst>
+                                    </p:anim>
+                                    <p:anim calcmode="lin" valueType="num">
+                                      <p:cBhvr additive="base">
+                                        <p:cTn id="8" dur="500" fill="hold"/>
+                                        <p:tgtEl>
+                                          <p:spTgt spid="13"/>
+                                        </p:tgtEl>
+                                        <p:attrNameLst>
+                                          <p:attrName>ppt_y</p:attrName>
+                                        </p:attrNameLst>
+                                      </p:cBhvr>
+                                      <p:tavLst>
+                                        <p:tav tm="0">
+                                          <p:val>
+                                            <p:strVal val="#ppt_y"/>
+                                          </p:val>
+                                        </p:tav>
+                                        <p:tav tm="100000">
+                                          <p:val>
+                                            <p:strVal val="#ppt_y"/>
+                                          </p:val>
+                                        </p:tav>
+                                      </p:tavLst>
+                                    </p:anim>
+                                  </p:childTnLst>
+                                </p:cTn>
+                              </p:par>
+                            </p:childTnLst>
+                          </p:cTn>
+                        </p:par>
+                      </p:childTnLst>
+                    </p:cTn>
+                  </p:par>
+                  <p:par>
+                    <p:cTn id="9" fill="hold">
+                      <p:stCondLst>
+                        <p:cond delay="indefinite"/>
+                      </p:stCondLst>
+                      <p:childTnLst>
+                        <p:par>
+                          <p:cTn id="10" fill="hold">
+                            <p:stCondLst>
+                              <p:cond delay="0"/>
+                            </p:stCondLst>
+                            <p:childTnLst>
+                              <p:par>
+                                <p:cTn id="11" presetID="10" presetClass="entr" presetSubtype="0" fill="hold" grpId="0" nodeType="clickEffect">
+                                  <p:stCondLst>
+                                    <p:cond delay="0"/>
+                                  </p:stCondLst>
+                                  <p:childTnLst>
+                                    <p:set>
+                                      <p:cBhvr>
+                                        <p:cTn id="12" dur="1" fill="hold">
+                                          <p:stCondLst>
+                                            <p:cond delay="0"/>
+                                          </p:stCondLst>
+                                        </p:cTn>
+                                        <p:tgtEl>
+                                          <p:spTgt spid="22"/>
+                                        </p:tgtEl>
+                                        <p:attrNameLst>
+                                          <p:attrName>style.visibility</p:attrName>
+                                        </p:attrNameLst>
+                                      </p:cBhvr>
+                                      <p:to>
+                                        <p:strVal val="visible"/>
+                                      </p:to>
+                                    </p:set>
+                                    <p:animEffect transition="in" filter="fade">
+                                      <p:cBhvr>
+                                        <p:cTn id="13" dur="500"/>
+                                        <p:tgtEl>
+                                          <p:spTgt spid="22"/>
+                                        </p:tgtEl>
+                                      </p:cBhvr>
+                                    </p:animEffect>
+                                  </p:childTnLst>
+                                </p:cTn>
+                              </p:par>
+                            </p:childTnLst>
+                          </p:cTn>
+                        </p:par>
+                      </p:childTnLst>
+                    </p:cTn>
+                  </p:par>
+                </p:childTnLst>
+              </p:cTn>
+              <p:prevCondLst>
+                <p:cond evt="onPrev" delay="0">
+                  <p:tgtEl>
+                    <p:sldTgt/>
+                  </p:tgtEl>
+                </p:cond>
+              </p:prevCondLst>
+              <p:nextCondLst>
+                <p:cond evt="onNext" delay="0">
+                  <p:tgtEl>
+                    <p:sldTgt/>
+                  </p:tgtEl>
+                </p:cond>
+              </p:nextCondLst>
+            </p:seq>
+          </p:childTnLst>
+        </p:cTn>
+      </p:par>
+    </p:tnLst>
+    <p:bldLst>
+      <p:bldP spid="13" grpId="0"/>
+      <p:bldP spid="22" grpId="0"/>
+    </p:bldLst>
+  </p:timing>
+</p:sld>
+</file>
+
+<file path=ppt/slides/slide13.xml><?xml version="1.0" encoding="utf-8"?>
+<p:sld xmlns:a="http://schemas.openxmlformats.org/drawingml/2006/main" xmlns:r="http://schemas.openxmlformats.org/officeDocument/2006/relationships" xmlns:p="http://schemas.openxmlformats.org/presentationml/2006/main">
+  <p:cSld>
+    <p:spTree>
+      <p:nvGrpSpPr>
+        <p:cNvPr id="1" name="">
+          <a:extLst>
+            <a:ext uri="{FF2B5EF4-FFF2-40B4-BE49-F238E27FC236}">
+              <a16:creationId xmlns:a16="http://schemas.microsoft.com/office/drawing/2014/main" id="{8034F37D-2411-28DB-5512-008A74640473}"/>
+            </a:ext>
+          </a:extLst>
+        </p:cNvPr>
+        <p:cNvGrpSpPr/>
+        <p:nvPr/>
+      </p:nvGrpSpPr>
+      <p:grpSpPr>
+        <a:xfrm>
+          <a:off x="0" y="0"/>
+          <a:ext cx="0" cy="0"/>
+          <a:chOff x="0" y="0"/>
+          <a:chExt cx="0" cy="0"/>
+        </a:xfrm>
+      </p:grpSpPr>
+      <p:sp>
+        <p:nvSpPr>
+          <p:cNvPr id="5" name="直角三角形 4">
+            <a:extLst>
+              <a:ext uri="{FF2B5EF4-FFF2-40B4-BE49-F238E27FC236}">
+                <a16:creationId xmlns:a16="http://schemas.microsoft.com/office/drawing/2014/main" id="{3A117644-0087-2040-B4E4-4E1F18F74F38}"/>
+              </a:ext>
+            </a:extLst>
+          </p:cNvPr>
+          <p:cNvSpPr/>
+          <p:nvPr/>
+        </p:nvSpPr>
+        <p:spPr>
+          <a:xfrm flipV="1">
+            <a:off x="0" y="0"/>
+            <a:ext cx="10799445" cy="1272540"/>
+          </a:xfrm>
+          <a:prstGeom prst="rtTriangle">
+            <a:avLst/>
+          </a:prstGeom>
+          <a:solidFill>
+            <a:schemeClr val="accent1">
+              <a:lumMod val="40000"/>
+              <a:lumOff val="60000"/>
+              <a:alpha val="65000"/>
+            </a:schemeClr>
+          </a:solidFill>
+          <a:ln>
+            <a:noFill/>
+          </a:ln>
+        </p:spPr>
+        <p:style>
+          <a:lnRef idx="2">
+            <a:schemeClr val="accent1">
+              <a:shade val="50000"/>
+            </a:schemeClr>
+          </a:lnRef>
+          <a:fillRef idx="1">
+            <a:schemeClr val="accent1"/>
+          </a:fillRef>
+          <a:effectRef idx="0">
+            <a:schemeClr val="accent1"/>
+          </a:effectRef>
+          <a:fontRef idx="minor">
+            <a:schemeClr val="lt1"/>
+          </a:fontRef>
+        </p:style>
+        <p:txBody>
+          <a:bodyPr rtlCol="0" anchor="ctr"/>
+          <a:lstStyle/>
+          <a:p>
+            <a:pPr algn="ctr"/>
+            <a:endParaRPr lang="zh-CN" altLang="en-US"/>
+          </a:p>
+        </p:txBody>
+      </p:sp>
+      <p:sp>
+        <p:nvSpPr>
+          <p:cNvPr id="4" name="直角三角形 3">
+            <a:extLst>
+              <a:ext uri="{FF2B5EF4-FFF2-40B4-BE49-F238E27FC236}">
+                <a16:creationId xmlns:a16="http://schemas.microsoft.com/office/drawing/2014/main" id="{EEEF85E3-F063-6F91-D236-0F032DD05BA7}"/>
+              </a:ext>
+            </a:extLst>
+          </p:cNvPr>
+          <p:cNvSpPr/>
+          <p:nvPr/>
+        </p:nvSpPr>
+        <p:spPr>
+          <a:xfrm flipV="1">
+            <a:off x="0" y="0"/>
+            <a:ext cx="5015865" cy="1573530"/>
+          </a:xfrm>
+          <a:prstGeom prst="rtTriangle">
+            <a:avLst/>
+          </a:prstGeom>
+          <a:solidFill>
+            <a:schemeClr val="accent1">
+              <a:lumMod val="60000"/>
+              <a:lumOff val="40000"/>
+              <a:alpha val="65000"/>
+            </a:schemeClr>
+          </a:solidFill>
+          <a:ln>
+            <a:noFill/>
+          </a:ln>
+        </p:spPr>
+        <p:style>
+          <a:lnRef idx="2">
+            <a:schemeClr val="accent1">
+              <a:shade val="50000"/>
+            </a:schemeClr>
+          </a:lnRef>
+          <a:fillRef idx="1">
+            <a:schemeClr val="accent1"/>
+          </a:fillRef>
+          <a:effectRef idx="0">
+            <a:schemeClr val="accent1"/>
+          </a:effectRef>
+          <a:fontRef idx="minor">
+            <a:schemeClr val="lt1"/>
+          </a:fontRef>
+        </p:style>
+        <p:txBody>
+          <a:bodyPr rtlCol="0" anchor="ctr"/>
+          <a:lstStyle/>
+          <a:p>
+            <a:pPr algn="ctr"/>
+            <a:endParaRPr lang="zh-CN" altLang="en-US"/>
+          </a:p>
+        </p:txBody>
+      </p:sp>
+      <p:sp>
+        <p:nvSpPr>
+          <p:cNvPr id="10" name="直角三角形 9">
+            <a:extLst>
+              <a:ext uri="{FF2B5EF4-FFF2-40B4-BE49-F238E27FC236}">
+                <a16:creationId xmlns:a16="http://schemas.microsoft.com/office/drawing/2014/main" id="{485F2999-273B-9DAF-1D20-2AFFE9DD06EA}"/>
+              </a:ext>
+            </a:extLst>
+          </p:cNvPr>
+          <p:cNvSpPr/>
+          <p:nvPr/>
+        </p:nvSpPr>
+        <p:spPr>
+          <a:xfrm rot="10800000" flipV="1">
+            <a:off x="7176135" y="5284470"/>
+            <a:ext cx="5015865" cy="1573530"/>
+          </a:xfrm>
+          <a:prstGeom prst="rtTriangle">
+            <a:avLst/>
+          </a:prstGeom>
+          <a:solidFill>
+            <a:schemeClr val="accent1">
+              <a:lumMod val="60000"/>
+              <a:lumOff val="40000"/>
+              <a:alpha val="65000"/>
+            </a:schemeClr>
+          </a:solidFill>
+          <a:ln>
+            <a:noFill/>
+          </a:ln>
+        </p:spPr>
+        <p:style>
+          <a:lnRef idx="2">
+            <a:schemeClr val="accent1">
+              <a:shade val="50000"/>
+            </a:schemeClr>
+          </a:lnRef>
+          <a:fillRef idx="1">
+            <a:schemeClr val="accent1"/>
+          </a:fillRef>
+          <a:effectRef idx="0">
+            <a:schemeClr val="accent1"/>
+          </a:effectRef>
+          <a:fontRef idx="minor">
+            <a:schemeClr val="lt1"/>
+          </a:fontRef>
+        </p:style>
+        <p:txBody>
+          <a:bodyPr rtlCol="0" anchor="ctr"/>
+          <a:lstStyle/>
+          <a:p>
+            <a:pPr algn="ctr"/>
+            <a:endParaRPr lang="zh-CN" altLang="en-US"/>
+          </a:p>
+        </p:txBody>
+      </p:sp>
+      <p:sp>
+        <p:nvSpPr>
+          <p:cNvPr id="11" name="直角三角形 10">
+            <a:extLst>
+              <a:ext uri="{FF2B5EF4-FFF2-40B4-BE49-F238E27FC236}">
+                <a16:creationId xmlns:a16="http://schemas.microsoft.com/office/drawing/2014/main" id="{5BAD44A5-9D47-884D-A742-E9412CAE54F7}"/>
+              </a:ext>
+            </a:extLst>
+          </p:cNvPr>
+          <p:cNvSpPr/>
+          <p:nvPr/>
+        </p:nvSpPr>
+        <p:spPr>
+          <a:xfrm rot="10800000" flipV="1">
+            <a:off x="1392555" y="5585460"/>
+            <a:ext cx="10799445" cy="1272540"/>
+          </a:xfrm>
+          <a:prstGeom prst="rtTriangle">
+            <a:avLst/>
+          </a:prstGeom>
+          <a:solidFill>
+            <a:schemeClr val="accent1">
+              <a:lumMod val="40000"/>
+              <a:lumOff val="60000"/>
+              <a:alpha val="65000"/>
+            </a:schemeClr>
+          </a:solidFill>
+          <a:ln>
+            <a:noFill/>
+          </a:ln>
+        </p:spPr>
+        <p:style>
+          <a:lnRef idx="2">
+            <a:schemeClr val="accent1">
+              <a:shade val="50000"/>
+            </a:schemeClr>
+          </a:lnRef>
+          <a:fillRef idx="1">
+            <a:schemeClr val="accent1"/>
+          </a:fillRef>
+          <a:effectRef idx="0">
+            <a:schemeClr val="accent1"/>
+          </a:effectRef>
+          <a:fontRef idx="minor">
+            <a:schemeClr val="lt1"/>
+          </a:fontRef>
+        </p:style>
+        <p:txBody>
+          <a:bodyPr rtlCol="0" anchor="ctr"/>
+          <a:lstStyle/>
+          <a:p>
+            <a:pPr algn="ctr"/>
+            <a:endParaRPr lang="zh-CN" altLang="en-US"/>
+          </a:p>
+        </p:txBody>
+      </p:sp>
+      <p:sp>
+        <p:nvSpPr>
+          <p:cNvPr id="12" name="直角三角形 11">
+            <a:extLst>
+              <a:ext uri="{FF2B5EF4-FFF2-40B4-BE49-F238E27FC236}">
+                <a16:creationId xmlns:a16="http://schemas.microsoft.com/office/drawing/2014/main" id="{FE3F3B08-996C-6D21-848C-1F1128AED0D4}"/>
+              </a:ext>
+            </a:extLst>
+          </p:cNvPr>
+          <p:cNvSpPr/>
+          <p:nvPr/>
+        </p:nvSpPr>
+        <p:spPr>
+          <a:xfrm rot="10800000" flipV="1">
+            <a:off x="8460105" y="3924935"/>
+            <a:ext cx="3731895" cy="2933065"/>
+          </a:xfrm>
+          <a:prstGeom prst="rtTriangle">
+            <a:avLst/>
+          </a:prstGeom>
+          <a:solidFill>
+            <a:schemeClr val="accent1">
+              <a:lumMod val="75000"/>
+              <a:alpha val="45000"/>
+            </a:schemeClr>
+          </a:solidFill>
+          <a:ln>
+            <a:noFill/>
+          </a:ln>
+        </p:spPr>
+        <p:style>
+          <a:lnRef idx="2">
+            <a:schemeClr val="accent1">
+              <a:shade val="50000"/>
+            </a:schemeClr>
+          </a:lnRef>
+          <a:fillRef idx="1">
+            <a:schemeClr val="accent1"/>
+          </a:fillRef>
+          <a:effectRef idx="0">
+            <a:schemeClr val="accent1"/>
+          </a:effectRef>
+          <a:fontRef idx="minor">
+            <a:schemeClr val="lt1"/>
+          </a:fontRef>
+        </p:style>
+        <p:txBody>
+          <a:bodyPr rtlCol="0" anchor="ctr"/>
+          <a:lstStyle/>
+          <a:p>
+            <a:pPr algn="ctr"/>
+            <a:endParaRPr lang="zh-CN" altLang="en-US"/>
+          </a:p>
+        </p:txBody>
+      </p:sp>
+      <p:sp>
+        <p:nvSpPr>
+          <p:cNvPr id="6" name="直角三角形 5">
+            <a:extLst>
+              <a:ext uri="{FF2B5EF4-FFF2-40B4-BE49-F238E27FC236}">
+                <a16:creationId xmlns:a16="http://schemas.microsoft.com/office/drawing/2014/main" id="{7DA5AE48-5A60-F44A-7985-798478819A9E}"/>
+              </a:ext>
+            </a:extLst>
+          </p:cNvPr>
+          <p:cNvSpPr/>
+          <p:nvPr/>
+        </p:nvSpPr>
+        <p:spPr>
+          <a:xfrm flipV="1">
+            <a:off x="0" y="0"/>
+            <a:ext cx="3731895" cy="2933065"/>
+          </a:xfrm>
+          <a:prstGeom prst="rtTriangle">
+            <a:avLst/>
+          </a:prstGeom>
+          <a:solidFill>
+            <a:schemeClr val="accent1">
+              <a:lumMod val="75000"/>
+              <a:alpha val="45000"/>
+            </a:schemeClr>
+          </a:solidFill>
+          <a:ln>
+            <a:noFill/>
+          </a:ln>
+        </p:spPr>
+        <p:style>
+          <a:lnRef idx="2">
+            <a:schemeClr val="accent1">
+              <a:shade val="50000"/>
+            </a:schemeClr>
+          </a:lnRef>
+          <a:fillRef idx="1">
+            <a:schemeClr val="accent1"/>
+          </a:fillRef>
+          <a:effectRef idx="0">
+            <a:schemeClr val="accent1"/>
+          </a:effectRef>
+          <a:fontRef idx="minor">
+            <a:schemeClr val="lt1"/>
+          </a:fontRef>
+        </p:style>
+        <p:txBody>
+          <a:bodyPr rtlCol="0" anchor="ctr"/>
+          <a:lstStyle/>
+          <a:p>
+            <a:pPr algn="ctr"/>
+            <a:endParaRPr lang="zh-CN" altLang="en-US"/>
+          </a:p>
+        </p:txBody>
+      </p:sp>
+      <p:sp>
+        <p:nvSpPr>
+          <p:cNvPr id="13" name="文本框 12">
+            <a:extLst>
+              <a:ext uri="{FF2B5EF4-FFF2-40B4-BE49-F238E27FC236}">
+                <a16:creationId xmlns:a16="http://schemas.microsoft.com/office/drawing/2014/main" id="{A2A15BC4-EE36-4591-FE0D-1715EBB7E4BA}"/>
+              </a:ext>
+            </a:extLst>
+          </p:cNvPr>
+          <p:cNvSpPr txBox="1"/>
+          <p:nvPr/>
+        </p:nvSpPr>
+        <p:spPr>
+          <a:xfrm>
+            <a:off x="792275" y="786765"/>
+            <a:ext cx="2044149" cy="369332"/>
+          </a:xfrm>
+          <a:prstGeom prst="rect">
+            <a:avLst/>
+          </a:prstGeom>
+          <a:noFill/>
+        </p:spPr>
+        <p:txBody>
+          <a:bodyPr wrap="none" rtlCol="0">
+            <a:spAutoFit/>
+          </a:bodyPr>
+          <a:lstStyle/>
+          <a:p>
+            <a:r>
+              <a:rPr lang="en-US" altLang="zh-CN" dirty="0">
+                <a:solidFill>
+                  <a:schemeClr val="tx2">
+                    <a:lumMod val="75000"/>
+                  </a:schemeClr>
+                </a:solidFill>
+              </a:rPr>
+              <a:t>- - - - </a:t>
+            </a:r>
+            <a:r>
+              <a:rPr lang="zh-CN" altLang="en-US" dirty="0">
+                <a:solidFill>
+                  <a:schemeClr val="tx2">
+                    <a:lumMod val="75000"/>
+                  </a:schemeClr>
+                </a:solidFill>
+              </a:rPr>
+              <a:t>使 用 的 算 法</a:t>
+            </a:r>
+          </a:p>
+        </p:txBody>
+      </p:sp>
+      <mc:AlternateContent xmlns:mc="http://schemas.openxmlformats.org/markup-compatibility/2006">
+        <mc:Choice xmlns:a14="http://schemas.microsoft.com/office/drawing/2010/main" Requires="a14">
+          <p:sp>
+            <p:nvSpPr>
+              <p:cNvPr id="22" name="文本框 21">
+                <a:extLst>
+                  <a:ext uri="{FF2B5EF4-FFF2-40B4-BE49-F238E27FC236}">
+                    <a16:creationId xmlns:a16="http://schemas.microsoft.com/office/drawing/2014/main" id="{4ECB653F-2438-00E9-2CB4-15959AFB8AAE}"/>
+                  </a:ext>
+                </a:extLst>
+              </p:cNvPr>
+              <p:cNvSpPr txBox="1"/>
+              <p:nvPr/>
+            </p:nvSpPr>
+            <p:spPr>
+              <a:xfrm>
+                <a:off x="1184032" y="1272540"/>
+                <a:ext cx="9823934" cy="5097934"/>
+              </a:xfrm>
+              <a:prstGeom prst="rect">
+                <a:avLst/>
+              </a:prstGeom>
+              <a:noFill/>
+            </p:spPr>
+            <p:txBody>
+              <a:bodyPr wrap="square" rtlCol="0">
+                <a:spAutoFit/>
+              </a:bodyPr>
+              <a:lstStyle/>
+              <a:p>
+                <a:pPr indent="457200" algn="just">
+                  <a:lnSpc>
+                    <a:spcPct val="150000"/>
+                  </a:lnSpc>
+                </a:pPr>
+                <a14:m>
+                  <m:oMath xmlns:m="http://schemas.openxmlformats.org/officeDocument/2006/math">
+                    <m:r>
+                      <a:rPr lang="en-US" altLang="zh-CN" i="1" dirty="0" smtClean="0">
+                        <a:solidFill>
+                          <a:schemeClr val="accent1">
+                            <a:lumMod val="50000"/>
+                          </a:schemeClr>
+                        </a:solidFill>
+                        <a:latin typeface="Cambria Math" panose="02040503050406030204" pitchFamily="18" charset="0"/>
+                      </a:rPr>
+                      <m:t>𝐴𝑈𝐶</m:t>
+                    </m:r>
+                  </m:oMath>
+                </a14:m>
+                <a:r>
+                  <a:rPr lang="zh-CN" altLang="en-US" dirty="0">
+                    <a:solidFill>
+                      <a:schemeClr val="accent1">
+                        <a:lumMod val="50000"/>
+                      </a:schemeClr>
+                    </a:solidFill>
+                  </a:rPr>
+                  <a:t>的计算方法较为复杂，步骤如下：</a:t>
+                </a:r>
+                <a:endParaRPr lang="en-US" altLang="zh-CN" dirty="0">
+                  <a:solidFill>
+                    <a:schemeClr val="accent1">
+                      <a:lumMod val="50000"/>
+                    </a:schemeClr>
+                  </a:solidFill>
+                </a:endParaRPr>
+              </a:p>
+              <a:p>
+                <a:pPr marL="457200" indent="-457200" algn="just">
+                  <a:lnSpc>
+                    <a:spcPct val="150000"/>
+                  </a:lnSpc>
+                  <a:buFont typeface="+mj-lt"/>
+                  <a:buAutoNum type="arabicPeriod"/>
+                </a:pPr>
+                <a:r>
+                  <a:rPr lang="zh-CN" altLang="en-US" dirty="0">
+                    <a:solidFill>
+                      <a:schemeClr val="accent1">
+                        <a:lumMod val="50000"/>
+                      </a:schemeClr>
+                    </a:solidFill>
+                  </a:rPr>
+                  <a:t>使用训练完毕的机器学习算法预测测试集，获得每一个样本被分类为正例（即类别为</a:t>
+                </a:r>
+                <a:r>
+                  <a:rPr lang="en-US" altLang="zh-CN" dirty="0">
+                    <a:solidFill>
+                      <a:schemeClr val="accent1">
+                        <a:lumMod val="50000"/>
+                      </a:schemeClr>
+                    </a:solidFill>
+                  </a:rPr>
+                  <a:t>1</a:t>
+                </a:r>
+                <a:r>
+                  <a:rPr lang="zh-CN" altLang="en-US" dirty="0">
+                    <a:solidFill>
+                      <a:schemeClr val="accent1">
+                        <a:lumMod val="50000"/>
+                      </a:schemeClr>
+                    </a:solidFill>
+                  </a:rPr>
+                  <a:t>）的概率，记为</a:t>
+                </a:r>
+                <a14:m>
+                  <m:oMath xmlns:m="http://schemas.openxmlformats.org/officeDocument/2006/math">
+                    <m:r>
+                      <a:rPr lang="en-US" altLang="zh-CN" i="1" dirty="0" smtClean="0">
+                        <a:solidFill>
+                          <a:schemeClr val="accent1">
+                            <a:lumMod val="50000"/>
+                          </a:schemeClr>
+                        </a:solidFill>
+                        <a:latin typeface="Cambria Math" panose="02040503050406030204" pitchFamily="18" charset="0"/>
+                      </a:rPr>
+                      <m:t>𝑝</m:t>
+                    </m:r>
+                  </m:oMath>
+                </a14:m>
+                <a:endParaRPr lang="en-US" altLang="zh-CN" dirty="0">
+                  <a:solidFill>
+                    <a:schemeClr val="accent1">
+                      <a:lumMod val="50000"/>
+                    </a:schemeClr>
+                  </a:solidFill>
+                </a:endParaRPr>
+              </a:p>
+              <a:p>
+                <a:pPr marL="457200" indent="-457200" algn="just">
+                  <a:buFont typeface="+mj-lt"/>
+                  <a:buAutoNum type="arabicPeriod"/>
+                </a:pPr>
+                <a:r>
+                  <a:rPr lang="zh-CN" altLang="en-US" dirty="0">
+                    <a:solidFill>
+                      <a:schemeClr val="accent1">
+                        <a:lumMod val="50000"/>
+                      </a:schemeClr>
+                    </a:solidFill>
+                  </a:rPr>
+                  <a:t>当确定了一个阈值</a:t>
+                </a:r>
+                <a14:m>
+                  <m:oMath xmlns:m="http://schemas.openxmlformats.org/officeDocument/2006/math">
+                    <m:r>
+                      <a:rPr lang="en-US" altLang="zh-CN" b="0" i="1" smtClean="0">
+                        <a:solidFill>
+                          <a:schemeClr val="accent1">
+                            <a:lumMod val="50000"/>
+                          </a:schemeClr>
+                        </a:solidFill>
+                        <a:latin typeface="Cambria Math" panose="02040503050406030204" pitchFamily="18" charset="0"/>
+                      </a:rPr>
+                      <m:t>𝑡</m:t>
+                    </m:r>
+                  </m:oMath>
+                </a14:m>
+                <a:r>
+                  <a:rPr lang="zh-CN" altLang="en-US" dirty="0">
+                    <a:solidFill>
+                      <a:schemeClr val="accent1">
+                        <a:lumMod val="50000"/>
+                      </a:schemeClr>
+                    </a:solidFill>
+                  </a:rPr>
+                  <a:t>时，概率</a:t>
+                </a:r>
+                <a14:m>
+                  <m:oMath xmlns:m="http://schemas.openxmlformats.org/officeDocument/2006/math">
+                    <m:r>
+                      <a:rPr lang="en-US" altLang="zh-CN" b="0" i="1" smtClean="0">
+                        <a:solidFill>
+                          <a:schemeClr val="accent1">
+                            <a:lumMod val="50000"/>
+                          </a:schemeClr>
+                        </a:solidFill>
+                        <a:latin typeface="Cambria Math" panose="02040503050406030204" pitchFamily="18" charset="0"/>
+                      </a:rPr>
+                      <m:t>𝑝</m:t>
+                    </m:r>
+                  </m:oMath>
+                </a14:m>
+                <a:r>
+                  <a:rPr lang="zh-CN" altLang="en-US" dirty="0">
+                    <a:solidFill>
+                      <a:schemeClr val="accent1">
+                        <a:lumMod val="50000"/>
+                      </a:schemeClr>
+                    </a:solidFill>
+                  </a:rPr>
+                  <a:t>才会被确定为类别：</a:t>
+                </a:r>
+                <a14:m>
+                  <m:oMath xmlns:m="http://schemas.openxmlformats.org/officeDocument/2006/math">
+                    <m:r>
+                      <a:rPr lang="en-US" altLang="zh-CN" b="0" i="1" smtClean="0">
+                        <a:solidFill>
+                          <a:schemeClr val="accent1">
+                            <a:lumMod val="50000"/>
+                          </a:schemeClr>
+                        </a:solidFill>
+                        <a:latin typeface="Cambria Math" panose="02040503050406030204" pitchFamily="18" charset="0"/>
+                      </a:rPr>
+                      <m:t>𝑙𝑎𝑏𝑒𝑙</m:t>
+                    </m:r>
+                    <m:r>
+                      <a:rPr lang="en-US" altLang="zh-CN" b="0" i="1" smtClean="0">
+                        <a:solidFill>
+                          <a:schemeClr val="accent1">
+                            <a:lumMod val="50000"/>
+                          </a:schemeClr>
+                        </a:solidFill>
+                        <a:latin typeface="Cambria Math" panose="02040503050406030204" pitchFamily="18" charset="0"/>
+                      </a:rPr>
+                      <m:t>=</m:t>
+                    </m:r>
+                    <m:d>
+                      <m:dPr>
+                        <m:begChr m:val="{"/>
+                        <m:endChr m:val=""/>
+                        <m:ctrlPr>
+                          <a:rPr lang="en-US" altLang="zh-CN" i="1" smtClean="0">
+                            <a:solidFill>
+                              <a:schemeClr val="accent1">
+                                <a:lumMod val="50000"/>
+                              </a:schemeClr>
+                            </a:solidFill>
+                            <a:latin typeface="Cambria Math" panose="02040503050406030204" pitchFamily="18" charset="0"/>
+                          </a:rPr>
+                        </m:ctrlPr>
+                      </m:dPr>
+                      <m:e>
+                        <m:eqArr>
+                          <m:eqArrPr>
+                            <m:ctrlPr>
+                              <a:rPr lang="en-US" altLang="zh-CN" i="1" smtClean="0">
+                                <a:solidFill>
+                                  <a:schemeClr val="accent1">
+                                    <a:lumMod val="50000"/>
+                                  </a:schemeClr>
+                                </a:solidFill>
+                                <a:latin typeface="Cambria Math" panose="02040503050406030204" pitchFamily="18" charset="0"/>
+                              </a:rPr>
+                            </m:ctrlPr>
+                          </m:eqArrPr>
+                          <m:e>
+                            <m:r>
+                              <a:rPr lang="en-US" altLang="zh-CN" b="0" i="1" smtClean="0">
+                                <a:solidFill>
+                                  <a:schemeClr val="accent1">
+                                    <a:lumMod val="50000"/>
+                                  </a:schemeClr>
+                                </a:solidFill>
+                                <a:latin typeface="Cambria Math" panose="02040503050406030204" pitchFamily="18" charset="0"/>
+                              </a:rPr>
+                              <m:t>1,</m:t>
+                            </m:r>
+                            <m:r>
+                              <a:rPr lang="en-US" altLang="zh-CN" b="0" i="1" smtClean="0">
+                                <a:solidFill>
+                                  <a:schemeClr val="accent1">
+                                    <a:lumMod val="50000"/>
+                                  </a:schemeClr>
+                                </a:solidFill>
+                                <a:latin typeface="Cambria Math" panose="02040503050406030204" pitchFamily="18" charset="0"/>
+                              </a:rPr>
+                              <m:t>𝑝</m:t>
+                            </m:r>
+                            <m:r>
+                              <a:rPr lang="en-US" altLang="zh-CN" b="0" i="1" smtClean="0">
+                                <a:solidFill>
+                                  <a:schemeClr val="accent1">
+                                    <a:lumMod val="50000"/>
+                                  </a:schemeClr>
+                                </a:solidFill>
+                                <a:latin typeface="Cambria Math" panose="02040503050406030204" pitchFamily="18" charset="0"/>
+                              </a:rPr>
+                              <m:t>≥</m:t>
+                            </m:r>
+                            <m:r>
+                              <a:rPr lang="en-US" altLang="zh-CN" b="0" i="1" smtClean="0">
+                                <a:solidFill>
+                                  <a:schemeClr val="accent1">
+                                    <a:lumMod val="50000"/>
+                                  </a:schemeClr>
+                                </a:solidFill>
+                                <a:latin typeface="Cambria Math" panose="02040503050406030204" pitchFamily="18" charset="0"/>
+                              </a:rPr>
+                              <m:t>𝑡</m:t>
+                            </m:r>
+                          </m:e>
+                          <m:e>
+                            <m:r>
+                              <a:rPr lang="en-US" altLang="zh-CN" b="0" i="1" smtClean="0">
+                                <a:solidFill>
+                                  <a:schemeClr val="accent1">
+                                    <a:lumMod val="50000"/>
+                                  </a:schemeClr>
+                                </a:solidFill>
+                                <a:latin typeface="Cambria Math" panose="02040503050406030204" pitchFamily="18" charset="0"/>
+                              </a:rPr>
+                              <m:t>0,</m:t>
+                            </m:r>
+                            <m:r>
+                              <a:rPr lang="en-US" altLang="zh-CN" b="0" i="1" smtClean="0">
+                                <a:solidFill>
+                                  <a:schemeClr val="accent1">
+                                    <a:lumMod val="50000"/>
+                                  </a:schemeClr>
+                                </a:solidFill>
+                                <a:latin typeface="Cambria Math" panose="02040503050406030204" pitchFamily="18" charset="0"/>
+                              </a:rPr>
+                              <m:t>𝑝</m:t>
+                            </m:r>
+                            <m:r>
+                              <a:rPr lang="en-US" altLang="zh-CN" b="0" i="1" smtClean="0">
+                                <a:solidFill>
+                                  <a:schemeClr val="accent1">
+                                    <a:lumMod val="50000"/>
+                                  </a:schemeClr>
+                                </a:solidFill>
+                                <a:latin typeface="Cambria Math" panose="02040503050406030204" pitchFamily="18" charset="0"/>
+                              </a:rPr>
+                              <m:t>&lt;</m:t>
+                            </m:r>
+                            <m:r>
+                              <a:rPr lang="en-US" altLang="zh-CN" b="0" i="1" smtClean="0">
+                                <a:solidFill>
+                                  <a:schemeClr val="accent1">
+                                    <a:lumMod val="50000"/>
+                                  </a:schemeClr>
+                                </a:solidFill>
+                                <a:latin typeface="Cambria Math" panose="02040503050406030204" pitchFamily="18" charset="0"/>
+                              </a:rPr>
+                              <m:t>𝑡</m:t>
+                            </m:r>
+                          </m:e>
+                        </m:eqArr>
+                      </m:e>
+                    </m:d>
+                  </m:oMath>
+                </a14:m>
+                <a:r>
+                  <a:rPr lang="zh-CN" altLang="en-US" dirty="0">
+                    <a:solidFill>
+                      <a:schemeClr val="accent1">
+                        <a:lumMod val="50000"/>
+                      </a:schemeClr>
+                    </a:solidFill>
+                  </a:rPr>
+                  <a:t>，根据此公式，每一个样本可以得到一个被归类的标签</a:t>
+                </a:r>
+                <a:r>
+                  <a:rPr lang="en-US" altLang="zh-CN" dirty="0">
+                    <a:solidFill>
+                      <a:schemeClr val="accent1">
+                        <a:lumMod val="50000"/>
+                      </a:schemeClr>
+                    </a:solidFill>
+                  </a:rPr>
+                  <a:t>0</a:t>
+                </a:r>
+                <a:r>
+                  <a:rPr lang="zh-CN" altLang="en-US" dirty="0">
+                    <a:solidFill>
+                      <a:schemeClr val="accent1">
+                        <a:lumMod val="50000"/>
+                      </a:schemeClr>
+                    </a:solidFill>
+                  </a:rPr>
+                  <a:t>或</a:t>
+                </a:r>
+                <a:r>
+                  <a:rPr lang="en-US" altLang="zh-CN" dirty="0">
+                    <a:solidFill>
+                      <a:schemeClr val="accent1">
+                        <a:lumMod val="50000"/>
+                      </a:schemeClr>
+                    </a:solidFill>
+                  </a:rPr>
+                  <a:t>1</a:t>
+                </a:r>
+                <a:r>
+                  <a:rPr lang="zh-CN" altLang="en-US" dirty="0">
+                    <a:solidFill>
+                      <a:schemeClr val="accent1">
+                        <a:lumMod val="50000"/>
+                      </a:schemeClr>
+                    </a:solidFill>
+                  </a:rPr>
+                  <a:t>，与真实测试集对比就可以得到混淆矩阵</a:t>
+                </a:r>
+                <a:endParaRPr lang="en-US" altLang="zh-CN" dirty="0">
+                  <a:solidFill>
+                    <a:schemeClr val="accent1">
+                      <a:lumMod val="50000"/>
+                    </a:schemeClr>
+                  </a:solidFill>
+                </a:endParaRPr>
+              </a:p>
+              <a:p>
+                <a:pPr marL="457200" indent="-457200" algn="just">
+                  <a:lnSpc>
+                    <a:spcPct val="150000"/>
+                  </a:lnSpc>
+                  <a:buFont typeface="+mj-lt"/>
+                  <a:buAutoNum type="arabicPeriod"/>
+                </a:pPr>
+                <a:r>
+                  <a:rPr lang="zh-CN" altLang="en-US" dirty="0">
+                    <a:solidFill>
+                      <a:schemeClr val="accent1">
+                        <a:lumMod val="50000"/>
+                      </a:schemeClr>
+                    </a:solidFill>
+                  </a:rPr>
+                  <a:t>现在将</a:t>
+                </a:r>
+                <a14:m>
+                  <m:oMath xmlns:m="http://schemas.openxmlformats.org/officeDocument/2006/math">
+                    <m:r>
+                      <a:rPr lang="en-US" altLang="zh-CN" b="0" i="1" smtClean="0">
+                        <a:solidFill>
+                          <a:schemeClr val="accent1">
+                            <a:lumMod val="50000"/>
+                          </a:schemeClr>
+                        </a:solidFill>
+                        <a:latin typeface="Cambria Math" panose="02040503050406030204" pitchFamily="18" charset="0"/>
+                      </a:rPr>
+                      <m:t>[0,1]</m:t>
+                    </m:r>
+                  </m:oMath>
+                </a14:m>
+                <a:r>
+                  <a:rPr lang="zh-CN" altLang="en-US" dirty="0">
+                    <a:solidFill>
+                      <a:schemeClr val="accent1">
+                        <a:lumMod val="50000"/>
+                      </a:schemeClr>
+                    </a:solidFill>
+                  </a:rPr>
+                  <a:t>范围划分为</a:t>
+                </a:r>
+                <a14:m>
+                  <m:oMath xmlns:m="http://schemas.openxmlformats.org/officeDocument/2006/math">
+                    <m:r>
+                      <a:rPr lang="en-US" altLang="zh-CN" i="1" dirty="0">
+                        <a:solidFill>
+                          <a:schemeClr val="accent1">
+                            <a:lumMod val="50000"/>
+                          </a:schemeClr>
+                        </a:solidFill>
+                        <a:latin typeface="Cambria Math" panose="02040503050406030204" pitchFamily="18" charset="0"/>
+                      </a:rPr>
+                      <m:t>𝑛</m:t>
+                    </m:r>
+                  </m:oMath>
+                </a14:m>
+                <a:r>
+                  <a:rPr lang="zh-CN" altLang="en-US" dirty="0">
+                    <a:solidFill>
+                      <a:schemeClr val="accent1">
+                        <a:lumMod val="50000"/>
+                      </a:schemeClr>
+                    </a:solidFill>
+                  </a:rPr>
+                  <a:t>个值，作为</a:t>
+                </a:r>
+                <a14:m>
+                  <m:oMath xmlns:m="http://schemas.openxmlformats.org/officeDocument/2006/math">
+                    <m:r>
+                      <a:rPr lang="en-US" altLang="zh-CN" b="0" i="1" smtClean="0">
+                        <a:solidFill>
+                          <a:schemeClr val="accent1">
+                            <a:lumMod val="50000"/>
+                          </a:schemeClr>
+                        </a:solidFill>
+                        <a:latin typeface="Cambria Math" panose="02040503050406030204" pitchFamily="18" charset="0"/>
+                      </a:rPr>
+                      <m:t>𝑛</m:t>
+                    </m:r>
+                  </m:oMath>
+                </a14:m>
+                <a:r>
+                  <a:rPr lang="zh-CN" altLang="en-US" dirty="0">
+                    <a:solidFill>
+                      <a:schemeClr val="accent1">
+                        <a:lumMod val="50000"/>
+                      </a:schemeClr>
+                    </a:solidFill>
+                  </a:rPr>
+                  <a:t>个阈值</a:t>
+                </a:r>
+                <a14:m>
+                  <m:oMath xmlns:m="http://schemas.openxmlformats.org/officeDocument/2006/math">
+                    <m:r>
+                      <a:rPr lang="en-US" altLang="zh-CN" b="0" i="1" smtClean="0">
+                        <a:solidFill>
+                          <a:schemeClr val="accent1">
+                            <a:lumMod val="50000"/>
+                          </a:schemeClr>
+                        </a:solidFill>
+                        <a:latin typeface="Cambria Math" panose="02040503050406030204" pitchFamily="18" charset="0"/>
+                      </a:rPr>
+                      <m:t>𝑡</m:t>
+                    </m:r>
+                  </m:oMath>
+                </a14:m>
+                <a:endParaRPr lang="en-US" altLang="zh-CN" dirty="0">
+                  <a:solidFill>
+                    <a:schemeClr val="accent1">
+                      <a:lumMod val="50000"/>
+                    </a:schemeClr>
+                  </a:solidFill>
+                </a:endParaRPr>
+              </a:p>
+              <a:p>
+                <a:pPr marL="457200" indent="-457200" algn="just">
+                  <a:lnSpc>
+                    <a:spcPct val="150000"/>
+                  </a:lnSpc>
+                  <a:buFont typeface="+mj-lt"/>
+                  <a:buAutoNum type="arabicPeriod"/>
+                </a:pPr>
+                <a:r>
+                  <a:rPr lang="zh-CN" altLang="en-US" dirty="0">
+                    <a:solidFill>
+                      <a:schemeClr val="accent1">
+                        <a:lumMod val="50000"/>
+                      </a:schemeClr>
+                    </a:solidFill>
+                  </a:rPr>
+                  <a:t>对于每一个阈值</a:t>
+                </a:r>
+                <a14:m>
+                  <m:oMath xmlns:m="http://schemas.openxmlformats.org/officeDocument/2006/math">
+                    <m:r>
+                      <a:rPr lang="en-US" altLang="zh-CN" b="0" i="1" smtClean="0">
+                        <a:solidFill>
+                          <a:schemeClr val="accent1">
+                            <a:lumMod val="50000"/>
+                          </a:schemeClr>
+                        </a:solidFill>
+                        <a:latin typeface="Cambria Math" panose="02040503050406030204" pitchFamily="18" charset="0"/>
+                      </a:rPr>
+                      <m:t>𝑡</m:t>
+                    </m:r>
+                  </m:oMath>
+                </a14:m>
+                <a:r>
+                  <a:rPr lang="zh-CN" altLang="en-US" dirty="0">
+                    <a:solidFill>
+                      <a:schemeClr val="accent1">
+                        <a:lumMod val="50000"/>
+                      </a:schemeClr>
+                    </a:solidFill>
+                  </a:rPr>
+                  <a:t>，可以得到一个混淆矩阵，使用混淆矩阵来计算两个指标值：</a:t>
+                </a:r>
+                <a14:m>
+                  <m:oMath xmlns:m="http://schemas.openxmlformats.org/officeDocument/2006/math">
+                    <m:r>
+                      <a:rPr lang="en-US" altLang="zh-CN" b="0" i="1" smtClean="0">
+                        <a:solidFill>
+                          <a:schemeClr val="accent1">
+                            <a:lumMod val="50000"/>
+                          </a:schemeClr>
+                        </a:solidFill>
+                        <a:latin typeface="Cambria Math" panose="02040503050406030204" pitchFamily="18" charset="0"/>
+                      </a:rPr>
+                      <m:t>𝐹𝑃𝑅</m:t>
+                    </m:r>
+                    <m:r>
+                      <a:rPr lang="en-US" altLang="zh-CN" b="0" i="1" smtClean="0">
+                        <a:solidFill>
+                          <a:schemeClr val="accent1">
+                            <a:lumMod val="50000"/>
+                          </a:schemeClr>
+                        </a:solidFill>
+                        <a:latin typeface="Cambria Math" panose="02040503050406030204" pitchFamily="18" charset="0"/>
+                      </a:rPr>
+                      <m:t>=</m:t>
+                    </m:r>
+                    <m:r>
+                      <a:rPr lang="en-US" altLang="zh-CN" b="0" i="1" smtClean="0">
+                        <a:solidFill>
+                          <a:schemeClr val="accent1">
+                            <a:lumMod val="50000"/>
+                          </a:schemeClr>
+                        </a:solidFill>
+                        <a:latin typeface="Cambria Math" panose="02040503050406030204" pitchFamily="18" charset="0"/>
+                      </a:rPr>
+                      <m:t>𝐹𝑃</m:t>
+                    </m:r>
+                    <m:r>
+                      <a:rPr lang="en-US" altLang="zh-CN" b="0" i="1" smtClean="0">
+                        <a:solidFill>
+                          <a:schemeClr val="accent1">
+                            <a:lumMod val="50000"/>
+                          </a:schemeClr>
+                        </a:solidFill>
+                        <a:latin typeface="Cambria Math" panose="02040503050406030204" pitchFamily="18" charset="0"/>
+                      </a:rPr>
+                      <m:t>/(</m:t>
+                    </m:r>
+                    <m:r>
+                      <a:rPr lang="en-US" altLang="zh-CN" b="0" i="1" smtClean="0">
+                        <a:solidFill>
+                          <a:schemeClr val="accent1">
+                            <a:lumMod val="50000"/>
+                          </a:schemeClr>
+                        </a:solidFill>
+                        <a:latin typeface="Cambria Math" panose="02040503050406030204" pitchFamily="18" charset="0"/>
+                      </a:rPr>
+                      <m:t>𝐹𝑃</m:t>
+                    </m:r>
+                    <m:r>
+                      <a:rPr lang="en-US" altLang="zh-CN" b="0" i="1" smtClean="0">
+                        <a:solidFill>
+                          <a:schemeClr val="accent1">
+                            <a:lumMod val="50000"/>
+                          </a:schemeClr>
+                        </a:solidFill>
+                        <a:latin typeface="Cambria Math" panose="02040503050406030204" pitchFamily="18" charset="0"/>
+                      </a:rPr>
+                      <m:t>+</m:t>
+                    </m:r>
+                    <m:r>
+                      <a:rPr lang="en-US" altLang="zh-CN" b="0" i="1" smtClean="0">
+                        <a:solidFill>
+                          <a:schemeClr val="accent1">
+                            <a:lumMod val="50000"/>
+                          </a:schemeClr>
+                        </a:solidFill>
+                        <a:latin typeface="Cambria Math" panose="02040503050406030204" pitchFamily="18" charset="0"/>
+                      </a:rPr>
+                      <m:t>𝑇𝑁</m:t>
+                    </m:r>
+                    <m:r>
+                      <a:rPr lang="en-US" altLang="zh-CN" b="0" i="1" smtClean="0">
+                        <a:solidFill>
+                          <a:schemeClr val="accent1">
+                            <a:lumMod val="50000"/>
+                          </a:schemeClr>
+                        </a:solidFill>
+                        <a:latin typeface="Cambria Math" panose="02040503050406030204" pitchFamily="18" charset="0"/>
+                      </a:rPr>
+                      <m:t>)</m:t>
+                    </m:r>
+                  </m:oMath>
+                </a14:m>
+                <a:r>
+                  <a:rPr lang="zh-CN" altLang="en-US" dirty="0">
+                    <a:solidFill>
+                      <a:schemeClr val="accent1">
+                        <a:lumMod val="50000"/>
+                      </a:schemeClr>
+                    </a:solidFill>
+                  </a:rPr>
+                  <a:t>，</a:t>
+                </a:r>
+                <a14:m>
+                  <m:oMath xmlns:m="http://schemas.openxmlformats.org/officeDocument/2006/math">
+                    <m:r>
+                      <a:rPr lang="en-US" altLang="zh-CN" b="0" i="1" dirty="0" smtClean="0">
+                        <a:solidFill>
+                          <a:schemeClr val="accent1">
+                            <a:lumMod val="50000"/>
+                          </a:schemeClr>
+                        </a:solidFill>
+                        <a:latin typeface="Cambria Math" panose="02040503050406030204" pitchFamily="18" charset="0"/>
+                      </a:rPr>
+                      <m:t>𝑇𝑃𝑅</m:t>
+                    </m:r>
+                    <m:r>
+                      <a:rPr lang="en-US" altLang="zh-CN" b="0" i="1" dirty="0" smtClean="0">
+                        <a:solidFill>
+                          <a:schemeClr val="accent1">
+                            <a:lumMod val="50000"/>
+                          </a:schemeClr>
+                        </a:solidFill>
+                        <a:latin typeface="Cambria Math" panose="02040503050406030204" pitchFamily="18" charset="0"/>
+                      </a:rPr>
+                      <m:t>=</m:t>
+                    </m:r>
+                    <m:r>
+                      <a:rPr lang="en-US" altLang="zh-CN" b="0" i="1" dirty="0" smtClean="0">
+                        <a:solidFill>
+                          <a:schemeClr val="accent1">
+                            <a:lumMod val="50000"/>
+                          </a:schemeClr>
+                        </a:solidFill>
+                        <a:latin typeface="Cambria Math" panose="02040503050406030204" pitchFamily="18" charset="0"/>
+                      </a:rPr>
+                      <m:t>𝑇𝑃</m:t>
+                    </m:r>
+                    <m:r>
+                      <a:rPr lang="en-US" altLang="zh-CN" b="0" i="1" dirty="0" smtClean="0">
+                        <a:solidFill>
+                          <a:schemeClr val="accent1">
+                            <a:lumMod val="50000"/>
+                          </a:schemeClr>
+                        </a:solidFill>
+                        <a:latin typeface="Cambria Math" panose="02040503050406030204" pitchFamily="18" charset="0"/>
+                      </a:rPr>
+                      <m:t>/(</m:t>
+                    </m:r>
+                    <m:r>
+                      <a:rPr lang="en-US" altLang="zh-CN" b="0" i="1" dirty="0" smtClean="0">
+                        <a:solidFill>
+                          <a:schemeClr val="accent1">
+                            <a:lumMod val="50000"/>
+                          </a:schemeClr>
+                        </a:solidFill>
+                        <a:latin typeface="Cambria Math" panose="02040503050406030204" pitchFamily="18" charset="0"/>
+                      </a:rPr>
+                      <m:t>𝑇𝑃</m:t>
+                    </m:r>
+                    <m:r>
+                      <a:rPr lang="en-US" altLang="zh-CN" b="0" i="1" dirty="0" smtClean="0">
+                        <a:solidFill>
+                          <a:schemeClr val="accent1">
+                            <a:lumMod val="50000"/>
+                          </a:schemeClr>
+                        </a:solidFill>
+                        <a:latin typeface="Cambria Math" panose="02040503050406030204" pitchFamily="18" charset="0"/>
+                      </a:rPr>
+                      <m:t>+</m:t>
+                    </m:r>
+                    <m:r>
+                      <a:rPr lang="en-US" altLang="zh-CN" b="0" i="1" dirty="0" smtClean="0">
+                        <a:solidFill>
+                          <a:schemeClr val="accent1">
+                            <a:lumMod val="50000"/>
+                          </a:schemeClr>
+                        </a:solidFill>
+                        <a:latin typeface="Cambria Math" panose="02040503050406030204" pitchFamily="18" charset="0"/>
+                      </a:rPr>
+                      <m:t>𝐹𝑁</m:t>
+                    </m:r>
+                    <m:r>
+                      <a:rPr lang="en-US" altLang="zh-CN" b="0" i="1" dirty="0" smtClean="0">
+                        <a:solidFill>
+                          <a:schemeClr val="accent1">
+                            <a:lumMod val="50000"/>
+                          </a:schemeClr>
+                        </a:solidFill>
+                        <a:latin typeface="Cambria Math" panose="02040503050406030204" pitchFamily="18" charset="0"/>
+                      </a:rPr>
+                      <m:t>)</m:t>
+                    </m:r>
+                  </m:oMath>
+                </a14:m>
+                <a:r>
+                  <a:rPr lang="zh-CN" altLang="en-US" dirty="0">
+                    <a:solidFill>
+                      <a:schemeClr val="accent1">
+                        <a:lumMod val="50000"/>
+                      </a:schemeClr>
+                    </a:solidFill>
+                  </a:rPr>
+                  <a:t>，所以每一个阈值</a:t>
+                </a:r>
+                <a14:m>
+                  <m:oMath xmlns:m="http://schemas.openxmlformats.org/officeDocument/2006/math">
+                    <m:r>
+                      <a:rPr lang="en-US" altLang="zh-CN" b="0" i="1" smtClean="0">
+                        <a:solidFill>
+                          <a:schemeClr val="accent1">
+                            <a:lumMod val="50000"/>
+                          </a:schemeClr>
+                        </a:solidFill>
+                        <a:latin typeface="Cambria Math" panose="02040503050406030204" pitchFamily="18" charset="0"/>
+                      </a:rPr>
+                      <m:t>𝑡</m:t>
+                    </m:r>
+                  </m:oMath>
+                </a14:m>
+                <a:r>
+                  <a:rPr lang="zh-CN" altLang="en-US" dirty="0">
+                    <a:solidFill>
+                      <a:schemeClr val="accent1">
+                        <a:lumMod val="50000"/>
+                      </a:schemeClr>
+                    </a:solidFill>
+                  </a:rPr>
+                  <a:t>可以得到一个</a:t>
+                </a:r>
+                <a14:m>
+                  <m:oMath xmlns:m="http://schemas.openxmlformats.org/officeDocument/2006/math">
+                    <m:r>
+                      <a:rPr lang="en-US" altLang="zh-CN" b="0" i="1" smtClean="0">
+                        <a:solidFill>
+                          <a:schemeClr val="accent1">
+                            <a:lumMod val="50000"/>
+                          </a:schemeClr>
+                        </a:solidFill>
+                        <a:latin typeface="Cambria Math" panose="02040503050406030204" pitchFamily="18" charset="0"/>
+                      </a:rPr>
+                      <m:t>𝐹𝑃𝑅</m:t>
+                    </m:r>
+                  </m:oMath>
+                </a14:m>
+                <a:r>
+                  <a:rPr lang="zh-CN" altLang="en-US" dirty="0">
+                    <a:solidFill>
+                      <a:schemeClr val="accent1">
+                        <a:lumMod val="50000"/>
+                      </a:schemeClr>
+                    </a:solidFill>
+                  </a:rPr>
+                  <a:t>和</a:t>
+                </a:r>
+                <a14:m>
+                  <m:oMath xmlns:m="http://schemas.openxmlformats.org/officeDocument/2006/math">
+                    <m:r>
+                      <a:rPr lang="en-US" altLang="zh-CN" b="0" i="1" dirty="0" smtClean="0">
+                        <a:solidFill>
+                          <a:schemeClr val="accent1">
+                            <a:lumMod val="50000"/>
+                          </a:schemeClr>
+                        </a:solidFill>
+                        <a:latin typeface="Cambria Math" panose="02040503050406030204" pitchFamily="18" charset="0"/>
+                      </a:rPr>
+                      <m:t>𝑇𝑃𝑅</m:t>
+                    </m:r>
+                  </m:oMath>
+                </a14:m>
+                <a:endParaRPr lang="en-US" altLang="zh-CN" dirty="0">
+                  <a:solidFill>
+                    <a:schemeClr val="accent1">
+                      <a:lumMod val="50000"/>
+                    </a:schemeClr>
+                  </a:solidFill>
+                </a:endParaRPr>
+              </a:p>
+              <a:p>
+                <a:pPr marL="457200" indent="-457200" algn="just">
+                  <a:lnSpc>
+                    <a:spcPct val="150000"/>
+                  </a:lnSpc>
+                  <a:buFont typeface="+mj-lt"/>
+                  <a:buAutoNum type="arabicPeriod"/>
+                </a:pPr>
+                <a:r>
+                  <a:rPr lang="zh-CN" altLang="en-US" dirty="0">
+                    <a:solidFill>
+                      <a:schemeClr val="accent1">
+                        <a:lumMod val="50000"/>
+                      </a:schemeClr>
+                    </a:solidFill>
+                  </a:rPr>
+                  <a:t>将</a:t>
+                </a:r>
+                <a14:m>
+                  <m:oMath xmlns:m="http://schemas.openxmlformats.org/officeDocument/2006/math">
+                    <m:r>
+                      <a:rPr lang="en-US" altLang="zh-CN" b="0" i="1" smtClean="0">
+                        <a:solidFill>
+                          <a:schemeClr val="accent1">
+                            <a:lumMod val="50000"/>
+                          </a:schemeClr>
+                        </a:solidFill>
+                        <a:latin typeface="Cambria Math" panose="02040503050406030204" pitchFamily="18" charset="0"/>
+                      </a:rPr>
+                      <m:t>𝑛</m:t>
+                    </m:r>
+                  </m:oMath>
+                </a14:m>
+                <a:r>
+                  <a:rPr lang="zh-CN" altLang="en-US" dirty="0">
+                    <a:solidFill>
+                      <a:schemeClr val="accent1">
+                        <a:lumMod val="50000"/>
+                      </a:schemeClr>
+                    </a:solidFill>
+                  </a:rPr>
+                  <a:t>个</a:t>
+                </a:r>
+                <a14:m>
+                  <m:oMath xmlns:m="http://schemas.openxmlformats.org/officeDocument/2006/math">
+                    <m:r>
+                      <a:rPr lang="en-US" altLang="zh-CN" b="0" i="1" dirty="0" smtClean="0">
+                        <a:solidFill>
+                          <a:schemeClr val="accent1">
+                            <a:lumMod val="50000"/>
+                          </a:schemeClr>
+                        </a:solidFill>
+                        <a:latin typeface="Cambria Math" panose="02040503050406030204" pitchFamily="18" charset="0"/>
+                      </a:rPr>
+                      <m:t>(</m:t>
+                    </m:r>
+                    <m:r>
+                      <a:rPr lang="en-US" altLang="zh-CN" b="0" i="1" dirty="0" smtClean="0">
+                        <a:solidFill>
+                          <a:schemeClr val="accent1">
+                            <a:lumMod val="50000"/>
+                          </a:schemeClr>
+                        </a:solidFill>
+                        <a:latin typeface="Cambria Math" panose="02040503050406030204" pitchFamily="18" charset="0"/>
+                      </a:rPr>
+                      <m:t>𝐹𝑃𝑅</m:t>
+                    </m:r>
+                    <m:r>
+                      <a:rPr lang="en-US" altLang="zh-CN" b="0" i="1" dirty="0" smtClean="0">
+                        <a:solidFill>
+                          <a:schemeClr val="accent1">
+                            <a:lumMod val="50000"/>
+                          </a:schemeClr>
+                        </a:solidFill>
+                        <a:latin typeface="Cambria Math" panose="02040503050406030204" pitchFamily="18" charset="0"/>
+                      </a:rPr>
+                      <m:t>,</m:t>
+                    </m:r>
+                    <m:r>
+                      <a:rPr lang="en-US" altLang="zh-CN" b="0" i="1" dirty="0" smtClean="0">
+                        <a:solidFill>
+                          <a:schemeClr val="accent1">
+                            <a:lumMod val="50000"/>
+                          </a:schemeClr>
+                        </a:solidFill>
+                        <a:latin typeface="Cambria Math" panose="02040503050406030204" pitchFamily="18" charset="0"/>
+                      </a:rPr>
+                      <m:t>𝑇𝑃𝑅</m:t>
+                    </m:r>
+                    <m:r>
+                      <a:rPr lang="en-US" altLang="zh-CN" b="0" i="1" dirty="0" smtClean="0">
+                        <a:solidFill>
+                          <a:schemeClr val="accent1">
+                            <a:lumMod val="50000"/>
+                          </a:schemeClr>
+                        </a:solidFill>
+                        <a:latin typeface="Cambria Math" panose="02040503050406030204" pitchFamily="18" charset="0"/>
+                      </a:rPr>
+                      <m:t>)</m:t>
+                    </m:r>
+                    <m:r>
+                      <a:rPr lang="zh-CN" altLang="en-US" i="1" dirty="0">
+                        <a:solidFill>
+                          <a:schemeClr val="accent1">
+                            <a:lumMod val="50000"/>
+                          </a:schemeClr>
+                        </a:solidFill>
+                        <a:latin typeface="Cambria Math" panose="02040503050406030204" pitchFamily="18" charset="0"/>
+                      </a:rPr>
+                      <m:t>构成</m:t>
+                    </m:r>
+                  </m:oMath>
+                </a14:m>
+                <a:r>
+                  <a:rPr lang="zh-CN" altLang="en-US" dirty="0">
+                    <a:solidFill>
+                      <a:schemeClr val="accent1">
+                        <a:lumMod val="50000"/>
+                      </a:schemeClr>
+                    </a:solidFill>
+                  </a:rPr>
+                  <a:t>的点描到直角坐标系中，并连接各个点绘制成折线，这条折线称为</a:t>
+                </a:r>
+                <a:r>
+                  <a:rPr lang="en-US" altLang="zh-CN" dirty="0">
+                    <a:solidFill>
+                      <a:schemeClr val="accent1">
+                        <a:lumMod val="50000"/>
+                      </a:schemeClr>
+                    </a:solidFill>
+                  </a:rPr>
+                  <a:t>ROC</a:t>
+                </a:r>
+                <a:r>
+                  <a:rPr lang="zh-CN" altLang="en-US" dirty="0">
+                    <a:solidFill>
+                      <a:schemeClr val="accent1">
+                        <a:lumMod val="50000"/>
+                      </a:schemeClr>
+                    </a:solidFill>
+                  </a:rPr>
+                  <a:t>曲线（</a:t>
+                </a:r>
+                <a:r>
+                  <a:rPr lang="en-US" altLang="zh-CN" dirty="0">
+                    <a:solidFill>
+                      <a:schemeClr val="accent1">
+                        <a:lumMod val="50000"/>
+                      </a:schemeClr>
+                    </a:solidFill>
+                  </a:rPr>
+                  <a:t>Receiver Operating Characteristic</a:t>
+                </a:r>
+                <a:r>
+                  <a:rPr lang="zh-CN" altLang="en-US" dirty="0">
+                    <a:solidFill>
+                      <a:schemeClr val="accent1">
+                        <a:lumMod val="50000"/>
+                      </a:schemeClr>
+                    </a:solidFill>
+                  </a:rPr>
+                  <a:t>）</a:t>
+                </a:r>
+                <a:endParaRPr lang="en-US" altLang="zh-CN" dirty="0">
+                  <a:solidFill>
+                    <a:schemeClr val="accent1">
+                      <a:lumMod val="50000"/>
+                    </a:schemeClr>
+                  </a:solidFill>
+                </a:endParaRPr>
+              </a:p>
+              <a:p>
+                <a:pPr marL="457200" indent="-457200" algn="just">
+                  <a:lnSpc>
+                    <a:spcPct val="150000"/>
+                  </a:lnSpc>
+                  <a:buFont typeface="+mj-lt"/>
+                  <a:buAutoNum type="arabicPeriod"/>
+                </a:pPr>
+                <a:r>
+                  <a:rPr lang="en-US" altLang="zh-CN" dirty="0">
+                    <a:solidFill>
+                      <a:schemeClr val="accent1">
+                        <a:lumMod val="50000"/>
+                      </a:schemeClr>
+                    </a:solidFill>
+                  </a:rPr>
+                  <a:t>ROC</a:t>
+                </a:r>
+                <a:r>
+                  <a:rPr lang="zh-CN" altLang="en-US" dirty="0">
+                    <a:solidFill>
+                      <a:schemeClr val="accent1">
+                        <a:lumMod val="50000"/>
+                      </a:schemeClr>
+                    </a:solidFill>
+                  </a:rPr>
+                  <a:t>曲线的曲线下面积即为</a:t>
+                </a:r>
+                <a:r>
+                  <a:rPr lang="en-US" altLang="zh-CN" dirty="0">
+                    <a:solidFill>
+                      <a:schemeClr val="accent1">
+                        <a:lumMod val="50000"/>
+                      </a:schemeClr>
+                    </a:solidFill>
+                  </a:rPr>
+                  <a:t>AUC</a:t>
+                </a:r>
+                <a:r>
+                  <a:rPr lang="zh-CN" altLang="en-US" dirty="0">
+                    <a:solidFill>
+                      <a:schemeClr val="accent1">
+                        <a:lumMod val="50000"/>
+                      </a:schemeClr>
+                    </a:solidFill>
+                  </a:rPr>
+                  <a:t>指标值。曲线下面积可以使用梯形面积计算公式计算梯形面积，将每一个小梯形面积加起来就是</a:t>
+                </a:r>
+                <a:r>
+                  <a:rPr lang="en-US" altLang="zh-CN" dirty="0">
+                    <a:solidFill>
+                      <a:schemeClr val="accent1">
+                        <a:lumMod val="50000"/>
+                      </a:schemeClr>
+                    </a:solidFill>
+                  </a:rPr>
+                  <a:t>AUC</a:t>
+                </a:r>
+                <a:r>
+                  <a:rPr lang="zh-CN" altLang="en-US" dirty="0">
+                    <a:solidFill>
+                      <a:schemeClr val="accent1">
+                        <a:lumMod val="50000"/>
+                      </a:schemeClr>
+                    </a:solidFill>
+                  </a:rPr>
+                  <a:t>指标值</a:t>
+                </a:r>
+                <a:endParaRPr lang="en-US" altLang="zh-CN" dirty="0">
+                  <a:solidFill>
+                    <a:schemeClr val="accent1">
+                      <a:lumMod val="50000"/>
+                    </a:schemeClr>
+                  </a:solidFill>
+                </a:endParaRPr>
+              </a:p>
+            </p:txBody>
+          </p:sp>
+        </mc:Choice>
+        <mc:Fallback>
+          <p:sp>
+            <p:nvSpPr>
+              <p:cNvPr id="22" name="文本框 21">
+                <a:extLst>
+                  <a:ext uri="{FF2B5EF4-FFF2-40B4-BE49-F238E27FC236}">
+                    <a16:creationId xmlns:a16="http://schemas.microsoft.com/office/drawing/2014/main" id="{4ECB653F-2438-00E9-2CB4-15959AFB8AAE}"/>
+                  </a:ext>
+                </a:extLst>
+              </p:cNvPr>
+              <p:cNvSpPr txBox="1">
+                <a:spLocks noRot="1" noChangeAspect="1" noMove="1" noResize="1" noEditPoints="1" noAdjustHandles="1" noChangeArrowheads="1" noChangeShapeType="1" noTextEdit="1"/>
+              </p:cNvSpPr>
+              <p:nvPr/>
+            </p:nvSpPr>
+            <p:spPr>
+              <a:xfrm>
+                <a:off x="1184032" y="1272540"/>
+                <a:ext cx="9823934" cy="5097934"/>
+              </a:xfrm>
+              <a:prstGeom prst="rect">
+                <a:avLst/>
+              </a:prstGeom>
+              <a:blipFill>
+                <a:blip r:embed="rId2"/>
+                <a:stretch>
+                  <a:fillRect l="-496" r="-558" b="-1077"/>
+                </a:stretch>
+              </a:blipFill>
+            </p:spPr>
+            <p:txBody>
+              <a:bodyPr/>
+              <a:lstStyle/>
+              <a:p>
+                <a:r>
+                  <a:rPr lang="zh-CN" altLang="en-US">
+                    <a:noFill/>
+                  </a:rPr>
+                  <a:t> </a:t>
+                </a:r>
+              </a:p>
+            </p:txBody>
+          </p:sp>
+        </mc:Fallback>
+      </mc:AlternateContent>
+      <p:sp>
+        <p:nvSpPr>
+          <p:cNvPr id="29" name="矩形 28">
+            <a:extLst>
+              <a:ext uri="{FF2B5EF4-FFF2-40B4-BE49-F238E27FC236}">
+                <a16:creationId xmlns:a16="http://schemas.microsoft.com/office/drawing/2014/main" id="{886E150A-F065-1C89-F82C-A581821ED09B}"/>
+              </a:ext>
+            </a:extLst>
+          </p:cNvPr>
+          <p:cNvSpPr/>
+          <p:nvPr/>
+        </p:nvSpPr>
+        <p:spPr>
+          <a:xfrm>
+            <a:off x="792275" y="1141422"/>
+            <a:ext cx="7530631" cy="45719"/>
+          </a:xfrm>
+          <a:prstGeom prst="rect">
+            <a:avLst/>
+          </a:prstGeom>
+          <a:solidFill>
+            <a:schemeClr val="accent2">
+              <a:alpha val="50000"/>
+            </a:schemeClr>
+          </a:solidFill>
+          <a:ln>
+            <a:noFill/>
+          </a:ln>
+        </p:spPr>
+        <p:style>
+          <a:lnRef idx="2">
+            <a:schemeClr val="accent1">
+              <a:shade val="50000"/>
+            </a:schemeClr>
+          </a:lnRef>
+          <a:fillRef idx="1">
+            <a:schemeClr val="accent1"/>
+          </a:fillRef>
+          <a:effectRef idx="0">
+            <a:schemeClr val="accent1"/>
+          </a:effectRef>
+          <a:fontRef idx="minor">
+            <a:schemeClr val="lt1"/>
+          </a:fontRef>
+        </p:style>
+        <p:txBody>
+          <a:bodyPr rtlCol="0" anchor="ctr"/>
+          <a:lstStyle/>
+          <a:p>
+            <a:pPr algn="ctr"/>
+            <a:endParaRPr lang="zh-CN" altLang="en-US"/>
+          </a:p>
+        </p:txBody>
+      </p:sp>
+    </p:spTree>
+    <p:extLst>
+      <p:ext uri="{BB962C8B-B14F-4D97-AF65-F5344CB8AC3E}">
+        <p14:creationId xmlns:p14="http://schemas.microsoft.com/office/powerpoint/2010/main" val="4188221316"/>
+      </p:ext>
+    </p:extLst>
+  </p:cSld>
+  <p:clrMapOvr>
+    <a:masterClrMapping/>
+  </p:clrMapOvr>
+  <p:timing>
+    <p:tnLst>
+      <p:par>
+        <p:cTn id="1" dur="indefinite" restart="never" nodeType="tmRoot">
+          <p:childTnLst>
+            <p:seq concurrent="1" nextAc="seek">
+              <p:cTn id="2" dur="indefinite" nodeType="mainSeq">
+                <p:childTnLst>
+                  <p:par>
+                    <p:cTn id="3" fill="hold">
+                      <p:stCondLst>
+                        <p:cond delay="indefinite"/>
+                        <p:cond evt="onBegin" delay="0">
+                          <p:tn val="2"/>
+                        </p:cond>
+                      </p:stCondLst>
+                      <p:childTnLst>
+                        <p:par>
+                          <p:cTn id="4" fill="hold">
+                            <p:stCondLst>
+                              <p:cond delay="0"/>
+                            </p:stCondLst>
+                            <p:childTnLst>
+                              <p:par>
+                                <p:cTn id="5" presetID="2" presetClass="entr" presetSubtype="8" fill="hold" grpId="0" nodeType="withEffect">
+                                  <p:stCondLst>
+                                    <p:cond delay="0"/>
+                                  </p:stCondLst>
+                                  <p:childTnLst>
+                                    <p:set>
+                                      <p:cBhvr>
+                                        <p:cTn id="6" dur="1" fill="hold">
+                                          <p:stCondLst>
+                                            <p:cond delay="0"/>
+                                          </p:stCondLst>
+                                        </p:cTn>
+                                        <p:tgtEl>
+                                          <p:spTgt spid="13"/>
+                                        </p:tgtEl>
+                                        <p:attrNameLst>
+                                          <p:attrName>style.visibility</p:attrName>
+                                        </p:attrNameLst>
+                                      </p:cBhvr>
+                                      <p:to>
+                                        <p:strVal val="visible"/>
+                                      </p:to>
+                                    </p:set>
+                                    <p:anim calcmode="lin" valueType="num">
+                                      <p:cBhvr additive="base">
+                                        <p:cTn id="7" dur="500" fill="hold"/>
+                                        <p:tgtEl>
+                                          <p:spTgt spid="13"/>
+                                        </p:tgtEl>
+                                        <p:attrNameLst>
+                                          <p:attrName>ppt_x</p:attrName>
+                                        </p:attrNameLst>
+                                      </p:cBhvr>
+                                      <p:tavLst>
+                                        <p:tav tm="0">
+                                          <p:val>
+                                            <p:strVal val="0-#ppt_w/2"/>
+                                          </p:val>
+                                        </p:tav>
+                                        <p:tav tm="100000">
+                                          <p:val>
+                                            <p:strVal val="#ppt_x"/>
+                                          </p:val>
+                                        </p:tav>
+                                      </p:tavLst>
+                                    </p:anim>
+                                    <p:anim calcmode="lin" valueType="num">
+                                      <p:cBhvr additive="base">
+                                        <p:cTn id="8" dur="500" fill="hold"/>
+                                        <p:tgtEl>
+                                          <p:spTgt spid="13"/>
+                                        </p:tgtEl>
+                                        <p:attrNameLst>
+                                          <p:attrName>ppt_y</p:attrName>
+                                        </p:attrNameLst>
+                                      </p:cBhvr>
+                                      <p:tavLst>
+                                        <p:tav tm="0">
+                                          <p:val>
+                                            <p:strVal val="#ppt_y"/>
+                                          </p:val>
+                                        </p:tav>
+                                        <p:tav tm="100000">
+                                          <p:val>
+                                            <p:strVal val="#ppt_y"/>
+                                          </p:val>
+                                        </p:tav>
+                                      </p:tavLst>
+                                    </p:anim>
+                                  </p:childTnLst>
+                                </p:cTn>
+                              </p:par>
+                            </p:childTnLst>
+                          </p:cTn>
+                        </p:par>
+                      </p:childTnLst>
+                    </p:cTn>
+                  </p:par>
+                  <p:par>
+                    <p:cTn id="9" fill="hold">
+                      <p:stCondLst>
+                        <p:cond delay="indefinite"/>
+                      </p:stCondLst>
+                      <p:childTnLst>
+                        <p:par>
+                          <p:cTn id="10" fill="hold">
+                            <p:stCondLst>
+                              <p:cond delay="0"/>
+                            </p:stCondLst>
+                            <p:childTnLst>
+                              <p:par>
+                                <p:cTn id="11" presetID="10" presetClass="entr" presetSubtype="0" fill="hold" grpId="0" nodeType="clickEffect">
+                                  <p:stCondLst>
+                                    <p:cond delay="0"/>
+                                  </p:stCondLst>
+                                  <p:childTnLst>
+                                    <p:set>
+                                      <p:cBhvr>
+                                        <p:cTn id="12" dur="1" fill="hold">
+                                          <p:stCondLst>
+                                            <p:cond delay="0"/>
+                                          </p:stCondLst>
+                                        </p:cTn>
+                                        <p:tgtEl>
+                                          <p:spTgt spid="22"/>
+                                        </p:tgtEl>
+                                        <p:attrNameLst>
+                                          <p:attrName>style.visibility</p:attrName>
+                                        </p:attrNameLst>
+                                      </p:cBhvr>
+                                      <p:to>
+                                        <p:strVal val="visible"/>
+                                      </p:to>
+                                    </p:set>
+                                    <p:animEffect transition="in" filter="fade">
+                                      <p:cBhvr>
+                                        <p:cTn id="13" dur="500"/>
+                                        <p:tgtEl>
+                                          <p:spTgt spid="22"/>
+                                        </p:tgtEl>
+                                      </p:cBhvr>
+                                    </p:animEffect>
+                                  </p:childTnLst>
+                                </p:cTn>
+                              </p:par>
+                            </p:childTnLst>
+                          </p:cTn>
+                        </p:par>
+                      </p:childTnLst>
+                    </p:cTn>
+                  </p:par>
+                </p:childTnLst>
+              </p:cTn>
+              <p:prevCondLst>
+                <p:cond evt="onPrev" delay="0">
+                  <p:tgtEl>
+                    <p:sldTgt/>
+                  </p:tgtEl>
+                </p:cond>
+              </p:prevCondLst>
+              <p:nextCondLst>
+                <p:cond evt="onNext" delay="0">
+                  <p:tgtEl>
+                    <p:sldTgt/>
+                  </p:tgtEl>
+                </p:cond>
+              </p:nextCondLst>
+            </p:seq>
+          </p:childTnLst>
+        </p:cTn>
+      </p:par>
+    </p:tnLst>
+    <p:bldLst>
+      <p:bldP spid="13" grpId="0"/>
+      <p:bldP spid="22" grpId="0"/>
+    </p:bldLst>
+  </p:timing>
+</p:sld>
+</file>
+
+<file path=ppt/slides/slide14.xml><?xml version="1.0" encoding="utf-8"?>
+<p:sld xmlns:a="http://schemas.openxmlformats.org/drawingml/2006/main" xmlns:r="http://schemas.openxmlformats.org/officeDocument/2006/relationships" xmlns:p="http://schemas.openxmlformats.org/presentationml/2006/main">
+  <p:cSld>
+    <p:spTree>
+      <p:nvGrpSpPr>
+        <p:cNvPr id="1" name="">
+          <a:extLst>
+            <a:ext uri="{FF2B5EF4-FFF2-40B4-BE49-F238E27FC236}">
               <a16:creationId xmlns:a16="http://schemas.microsoft.com/office/drawing/2014/main" id="{4BEB7E18-6D3D-3C6F-4AE9-6BB3D9EC53E9}"/>
             </a:ext>
           </a:extLst>
@@ -6561,7 +10059,7 @@
 </p:sld>
 </file>
 
-<file path=ppt/slides/slide13.xml><?xml version="1.0" encoding="utf-8"?>
+<file path=ppt/slides/slide15.xml><?xml version="1.0" encoding="utf-8"?>
 <p:sld xmlns:a="http://schemas.openxmlformats.org/drawingml/2006/main" xmlns:r="http://schemas.openxmlformats.org/officeDocument/2006/relationships" xmlns:p="http://schemas.openxmlformats.org/presentationml/2006/main">
   <p:cSld>
     <p:spTree>
@@ -7326,7 +10824,7 @@
 </p:sld>
 </file>
 
-<file path=ppt/slides/slide14.xml><?xml version="1.0" encoding="utf-8"?>
+<file path=ppt/slides/slide16.xml><?xml version="1.0" encoding="utf-8"?>
 <p:sld xmlns:a="http://schemas.openxmlformats.org/drawingml/2006/main" xmlns:r="http://schemas.openxmlformats.org/officeDocument/2006/relationships" xmlns:p="http://schemas.openxmlformats.org/presentationml/2006/main">
   <p:cSld>
     <p:spTree>
@@ -7994,7 +11492,7 @@
         </p:blipFill>
         <p:spPr>
           <a:xfrm>
-            <a:off x="2865143" y="4388632"/>
+            <a:off x="2791307" y="4388631"/>
             <a:ext cx="2238558" cy="1790846"/>
           </a:xfrm>
           <a:prstGeom prst="rect">
@@ -8030,7 +11528,7 @@
         </p:blipFill>
         <p:spPr>
           <a:xfrm>
-            <a:off x="660481" y="4367320"/>
+            <a:off x="516333" y="4366522"/>
             <a:ext cx="2238558" cy="1790846"/>
           </a:xfrm>
           <a:prstGeom prst="rect">
@@ -8232,7 +11730,1048 @@
 </p:sld>
 </file>
 
-<file path=ppt/slides/slide15.xml><?xml version="1.0" encoding="utf-8"?>
+<file path=ppt/slides/slide17.xml><?xml version="1.0" encoding="utf-8"?>
+<p:sld xmlns:a="http://schemas.openxmlformats.org/drawingml/2006/main" xmlns:r="http://schemas.openxmlformats.org/officeDocument/2006/relationships" xmlns:p="http://schemas.openxmlformats.org/presentationml/2006/main">
+  <p:cSld>
+    <p:spTree>
+      <p:nvGrpSpPr>
+        <p:cNvPr id="1" name="">
+          <a:extLst>
+            <a:ext uri="{FF2B5EF4-FFF2-40B4-BE49-F238E27FC236}">
+              <a16:creationId xmlns:a16="http://schemas.microsoft.com/office/drawing/2014/main" id="{E3BBC955-ED4A-F13E-823D-91818A47B316}"/>
+            </a:ext>
+          </a:extLst>
+        </p:cNvPr>
+        <p:cNvGrpSpPr/>
+        <p:nvPr/>
+      </p:nvGrpSpPr>
+      <p:grpSpPr>
+        <a:xfrm>
+          <a:off x="0" y="0"/>
+          <a:ext cx="0" cy="0"/>
+          <a:chOff x="0" y="0"/>
+          <a:chExt cx="0" cy="0"/>
+        </a:xfrm>
+      </p:grpSpPr>
+      <p:sp>
+        <p:nvSpPr>
+          <p:cNvPr id="5" name="直角三角形 4">
+            <a:extLst>
+              <a:ext uri="{FF2B5EF4-FFF2-40B4-BE49-F238E27FC236}">
+                <a16:creationId xmlns:a16="http://schemas.microsoft.com/office/drawing/2014/main" id="{F8BD726B-1704-2AA0-9165-E97EEBFB0445}"/>
+              </a:ext>
+            </a:extLst>
+          </p:cNvPr>
+          <p:cNvSpPr/>
+          <p:nvPr/>
+        </p:nvSpPr>
+        <p:spPr>
+          <a:xfrm flipV="1">
+            <a:off x="0" y="0"/>
+            <a:ext cx="10799445" cy="1272540"/>
+          </a:xfrm>
+          <a:prstGeom prst="rtTriangle">
+            <a:avLst/>
+          </a:prstGeom>
+          <a:solidFill>
+            <a:schemeClr val="accent1">
+              <a:lumMod val="40000"/>
+              <a:lumOff val="60000"/>
+              <a:alpha val="65000"/>
+            </a:schemeClr>
+          </a:solidFill>
+          <a:ln>
+            <a:noFill/>
+          </a:ln>
+        </p:spPr>
+        <p:style>
+          <a:lnRef idx="2">
+            <a:schemeClr val="accent1">
+              <a:shade val="50000"/>
+            </a:schemeClr>
+          </a:lnRef>
+          <a:fillRef idx="1">
+            <a:schemeClr val="accent1"/>
+          </a:fillRef>
+          <a:effectRef idx="0">
+            <a:schemeClr val="accent1"/>
+          </a:effectRef>
+          <a:fontRef idx="minor">
+            <a:schemeClr val="lt1"/>
+          </a:fontRef>
+        </p:style>
+        <p:txBody>
+          <a:bodyPr rtlCol="0" anchor="ctr"/>
+          <a:lstStyle/>
+          <a:p>
+            <a:pPr algn="ctr"/>
+            <a:endParaRPr lang="zh-CN" altLang="en-US"/>
+          </a:p>
+        </p:txBody>
+      </p:sp>
+      <p:sp>
+        <p:nvSpPr>
+          <p:cNvPr id="4" name="直角三角形 3">
+            <a:extLst>
+              <a:ext uri="{FF2B5EF4-FFF2-40B4-BE49-F238E27FC236}">
+                <a16:creationId xmlns:a16="http://schemas.microsoft.com/office/drawing/2014/main" id="{534B96DE-B037-B1BF-B710-6E6A7E8CEB8C}"/>
+              </a:ext>
+            </a:extLst>
+          </p:cNvPr>
+          <p:cNvSpPr/>
+          <p:nvPr/>
+        </p:nvSpPr>
+        <p:spPr>
+          <a:xfrm flipV="1">
+            <a:off x="0" y="0"/>
+            <a:ext cx="5015865" cy="1573530"/>
+          </a:xfrm>
+          <a:prstGeom prst="rtTriangle">
+            <a:avLst/>
+          </a:prstGeom>
+          <a:solidFill>
+            <a:schemeClr val="accent1">
+              <a:lumMod val="60000"/>
+              <a:lumOff val="40000"/>
+              <a:alpha val="65000"/>
+            </a:schemeClr>
+          </a:solidFill>
+          <a:ln>
+            <a:noFill/>
+          </a:ln>
+        </p:spPr>
+        <p:style>
+          <a:lnRef idx="2">
+            <a:schemeClr val="accent1">
+              <a:shade val="50000"/>
+            </a:schemeClr>
+          </a:lnRef>
+          <a:fillRef idx="1">
+            <a:schemeClr val="accent1"/>
+          </a:fillRef>
+          <a:effectRef idx="0">
+            <a:schemeClr val="accent1"/>
+          </a:effectRef>
+          <a:fontRef idx="minor">
+            <a:schemeClr val="lt1"/>
+          </a:fontRef>
+        </p:style>
+        <p:txBody>
+          <a:bodyPr rtlCol="0" anchor="ctr"/>
+          <a:lstStyle/>
+          <a:p>
+            <a:pPr algn="ctr"/>
+            <a:endParaRPr lang="zh-CN" altLang="en-US"/>
+          </a:p>
+        </p:txBody>
+      </p:sp>
+      <p:sp>
+        <p:nvSpPr>
+          <p:cNvPr id="10" name="直角三角形 9">
+            <a:extLst>
+              <a:ext uri="{FF2B5EF4-FFF2-40B4-BE49-F238E27FC236}">
+                <a16:creationId xmlns:a16="http://schemas.microsoft.com/office/drawing/2014/main" id="{5B95CBAC-2E80-2492-4374-5A80796142F4}"/>
+              </a:ext>
+            </a:extLst>
+          </p:cNvPr>
+          <p:cNvSpPr/>
+          <p:nvPr/>
+        </p:nvSpPr>
+        <p:spPr>
+          <a:xfrm rot="10800000" flipV="1">
+            <a:off x="7176135" y="5284470"/>
+            <a:ext cx="5015865" cy="1573530"/>
+          </a:xfrm>
+          <a:prstGeom prst="rtTriangle">
+            <a:avLst/>
+          </a:prstGeom>
+          <a:solidFill>
+            <a:schemeClr val="accent1">
+              <a:lumMod val="60000"/>
+              <a:lumOff val="40000"/>
+              <a:alpha val="65000"/>
+            </a:schemeClr>
+          </a:solidFill>
+          <a:ln>
+            <a:noFill/>
+          </a:ln>
+        </p:spPr>
+        <p:style>
+          <a:lnRef idx="2">
+            <a:schemeClr val="accent1">
+              <a:shade val="50000"/>
+            </a:schemeClr>
+          </a:lnRef>
+          <a:fillRef idx="1">
+            <a:schemeClr val="accent1"/>
+          </a:fillRef>
+          <a:effectRef idx="0">
+            <a:schemeClr val="accent1"/>
+          </a:effectRef>
+          <a:fontRef idx="minor">
+            <a:schemeClr val="lt1"/>
+          </a:fontRef>
+        </p:style>
+        <p:txBody>
+          <a:bodyPr rtlCol="0" anchor="ctr"/>
+          <a:lstStyle/>
+          <a:p>
+            <a:pPr algn="ctr"/>
+            <a:endParaRPr lang="zh-CN" altLang="en-US"/>
+          </a:p>
+        </p:txBody>
+      </p:sp>
+      <p:sp>
+        <p:nvSpPr>
+          <p:cNvPr id="11" name="直角三角形 10">
+            <a:extLst>
+              <a:ext uri="{FF2B5EF4-FFF2-40B4-BE49-F238E27FC236}">
+                <a16:creationId xmlns:a16="http://schemas.microsoft.com/office/drawing/2014/main" id="{A6EED088-4F7E-B119-1E82-B05B4D8C7A2F}"/>
+              </a:ext>
+            </a:extLst>
+          </p:cNvPr>
+          <p:cNvSpPr/>
+          <p:nvPr/>
+        </p:nvSpPr>
+        <p:spPr>
+          <a:xfrm rot="10800000" flipV="1">
+            <a:off x="1392555" y="5585460"/>
+            <a:ext cx="10799445" cy="1272540"/>
+          </a:xfrm>
+          <a:prstGeom prst="rtTriangle">
+            <a:avLst/>
+          </a:prstGeom>
+          <a:solidFill>
+            <a:schemeClr val="accent1">
+              <a:lumMod val="40000"/>
+              <a:lumOff val="60000"/>
+              <a:alpha val="65000"/>
+            </a:schemeClr>
+          </a:solidFill>
+          <a:ln>
+            <a:noFill/>
+          </a:ln>
+        </p:spPr>
+        <p:style>
+          <a:lnRef idx="2">
+            <a:schemeClr val="accent1">
+              <a:shade val="50000"/>
+            </a:schemeClr>
+          </a:lnRef>
+          <a:fillRef idx="1">
+            <a:schemeClr val="accent1"/>
+          </a:fillRef>
+          <a:effectRef idx="0">
+            <a:schemeClr val="accent1"/>
+          </a:effectRef>
+          <a:fontRef idx="minor">
+            <a:schemeClr val="lt1"/>
+          </a:fontRef>
+        </p:style>
+        <p:txBody>
+          <a:bodyPr rtlCol="0" anchor="ctr"/>
+          <a:lstStyle/>
+          <a:p>
+            <a:pPr algn="ctr"/>
+            <a:endParaRPr lang="zh-CN" altLang="en-US"/>
+          </a:p>
+        </p:txBody>
+      </p:sp>
+      <p:sp>
+        <p:nvSpPr>
+          <p:cNvPr id="12" name="直角三角形 11">
+            <a:extLst>
+              <a:ext uri="{FF2B5EF4-FFF2-40B4-BE49-F238E27FC236}">
+                <a16:creationId xmlns:a16="http://schemas.microsoft.com/office/drawing/2014/main" id="{77E7A839-73BF-274A-E9C7-2CAE0914E1FA}"/>
+              </a:ext>
+            </a:extLst>
+          </p:cNvPr>
+          <p:cNvSpPr/>
+          <p:nvPr/>
+        </p:nvSpPr>
+        <p:spPr>
+          <a:xfrm rot="10800000" flipV="1">
+            <a:off x="8460105" y="3924935"/>
+            <a:ext cx="3731895" cy="2933065"/>
+          </a:xfrm>
+          <a:prstGeom prst="rtTriangle">
+            <a:avLst/>
+          </a:prstGeom>
+          <a:solidFill>
+            <a:schemeClr val="accent1">
+              <a:lumMod val="75000"/>
+              <a:alpha val="45000"/>
+            </a:schemeClr>
+          </a:solidFill>
+          <a:ln>
+            <a:noFill/>
+          </a:ln>
+        </p:spPr>
+        <p:style>
+          <a:lnRef idx="2">
+            <a:schemeClr val="accent1">
+              <a:shade val="50000"/>
+            </a:schemeClr>
+          </a:lnRef>
+          <a:fillRef idx="1">
+            <a:schemeClr val="accent1"/>
+          </a:fillRef>
+          <a:effectRef idx="0">
+            <a:schemeClr val="accent1"/>
+          </a:effectRef>
+          <a:fontRef idx="minor">
+            <a:schemeClr val="lt1"/>
+          </a:fontRef>
+        </p:style>
+        <p:txBody>
+          <a:bodyPr rtlCol="0" anchor="ctr"/>
+          <a:lstStyle/>
+          <a:p>
+            <a:pPr algn="ctr"/>
+            <a:endParaRPr lang="zh-CN" altLang="en-US"/>
+          </a:p>
+        </p:txBody>
+      </p:sp>
+      <p:sp>
+        <p:nvSpPr>
+          <p:cNvPr id="6" name="直角三角形 5">
+            <a:extLst>
+              <a:ext uri="{FF2B5EF4-FFF2-40B4-BE49-F238E27FC236}">
+                <a16:creationId xmlns:a16="http://schemas.microsoft.com/office/drawing/2014/main" id="{C6139899-91DE-4644-7DA0-DA9AAFE06940}"/>
+              </a:ext>
+            </a:extLst>
+          </p:cNvPr>
+          <p:cNvSpPr/>
+          <p:nvPr/>
+        </p:nvSpPr>
+        <p:spPr>
+          <a:xfrm flipV="1">
+            <a:off x="0" y="0"/>
+            <a:ext cx="3731895" cy="2933065"/>
+          </a:xfrm>
+          <a:prstGeom prst="rtTriangle">
+            <a:avLst/>
+          </a:prstGeom>
+          <a:solidFill>
+            <a:schemeClr val="accent1">
+              <a:lumMod val="75000"/>
+              <a:alpha val="45000"/>
+            </a:schemeClr>
+          </a:solidFill>
+          <a:ln>
+            <a:noFill/>
+          </a:ln>
+        </p:spPr>
+        <p:style>
+          <a:lnRef idx="2">
+            <a:schemeClr val="accent1">
+              <a:shade val="50000"/>
+            </a:schemeClr>
+          </a:lnRef>
+          <a:fillRef idx="1">
+            <a:schemeClr val="accent1"/>
+          </a:fillRef>
+          <a:effectRef idx="0">
+            <a:schemeClr val="accent1"/>
+          </a:effectRef>
+          <a:fontRef idx="minor">
+            <a:schemeClr val="lt1"/>
+          </a:fontRef>
+        </p:style>
+        <p:txBody>
+          <a:bodyPr rtlCol="0" anchor="ctr"/>
+          <a:lstStyle/>
+          <a:p>
+            <a:pPr algn="ctr"/>
+            <a:endParaRPr lang="zh-CN" altLang="en-US"/>
+          </a:p>
+        </p:txBody>
+      </p:sp>
+      <p:sp>
+        <p:nvSpPr>
+          <p:cNvPr id="13" name="文本框 12">
+            <a:extLst>
+              <a:ext uri="{FF2B5EF4-FFF2-40B4-BE49-F238E27FC236}">
+                <a16:creationId xmlns:a16="http://schemas.microsoft.com/office/drawing/2014/main" id="{35151E20-0951-901D-98F0-0F19E725950E}"/>
+              </a:ext>
+            </a:extLst>
+          </p:cNvPr>
+          <p:cNvSpPr txBox="1"/>
+          <p:nvPr/>
+        </p:nvSpPr>
+        <p:spPr>
+          <a:xfrm>
+            <a:off x="792275" y="786765"/>
+            <a:ext cx="1789272" cy="369332"/>
+          </a:xfrm>
+          <a:prstGeom prst="rect">
+            <a:avLst/>
+          </a:prstGeom>
+          <a:noFill/>
+        </p:spPr>
+        <p:txBody>
+          <a:bodyPr wrap="none" rtlCol="0">
+            <a:spAutoFit/>
+          </a:bodyPr>
+          <a:lstStyle/>
+          <a:p>
+            <a:r>
+              <a:rPr lang="en-US" altLang="zh-CN" dirty="0">
+                <a:solidFill>
+                  <a:schemeClr val="tx2">
+                    <a:lumMod val="75000"/>
+                  </a:schemeClr>
+                </a:solidFill>
+              </a:rPr>
+              <a:t>- - - - </a:t>
+            </a:r>
+            <a:r>
+              <a:rPr lang="zh-CN" altLang="en-US" dirty="0">
+                <a:solidFill>
+                  <a:schemeClr val="tx1">
+                    <a:lumMod val="65000"/>
+                    <a:lumOff val="35000"/>
+                  </a:schemeClr>
+                </a:solidFill>
+                <a:latin typeface="等线" panose="02010600030101010101" charset="-122"/>
+                <a:ea typeface="等线" panose="02010600030101010101" charset="-122"/>
+                <a:cs typeface="等线" panose="02010600030101010101" charset="-122"/>
+              </a:rPr>
+              <a:t>结 果 分 析</a:t>
+            </a:r>
+            <a:endParaRPr lang="zh-CN" altLang="en-US" dirty="0">
+              <a:solidFill>
+                <a:schemeClr val="tx2">
+                  <a:lumMod val="75000"/>
+                </a:schemeClr>
+              </a:solidFill>
+            </a:endParaRPr>
+          </a:p>
+        </p:txBody>
+      </p:sp>
+      <p:sp>
+        <p:nvSpPr>
+          <p:cNvPr id="29" name="矩形 28">
+            <a:extLst>
+              <a:ext uri="{FF2B5EF4-FFF2-40B4-BE49-F238E27FC236}">
+                <a16:creationId xmlns:a16="http://schemas.microsoft.com/office/drawing/2014/main" id="{07DBF402-6AEC-E83A-4D1C-3EF0E16A1F56}"/>
+              </a:ext>
+            </a:extLst>
+          </p:cNvPr>
+          <p:cNvSpPr/>
+          <p:nvPr/>
+        </p:nvSpPr>
+        <p:spPr>
+          <a:xfrm>
+            <a:off x="792275" y="1141422"/>
+            <a:ext cx="7530631" cy="45719"/>
+          </a:xfrm>
+          <a:prstGeom prst="rect">
+            <a:avLst/>
+          </a:prstGeom>
+          <a:solidFill>
+            <a:schemeClr val="accent2">
+              <a:alpha val="50000"/>
+            </a:schemeClr>
+          </a:solidFill>
+          <a:ln>
+            <a:noFill/>
+          </a:ln>
+        </p:spPr>
+        <p:style>
+          <a:lnRef idx="2">
+            <a:schemeClr val="accent1">
+              <a:shade val="50000"/>
+            </a:schemeClr>
+          </a:lnRef>
+          <a:fillRef idx="1">
+            <a:schemeClr val="accent1"/>
+          </a:fillRef>
+          <a:effectRef idx="0">
+            <a:schemeClr val="accent1"/>
+          </a:effectRef>
+          <a:fontRef idx="minor">
+            <a:schemeClr val="lt1"/>
+          </a:fontRef>
+        </p:style>
+        <p:txBody>
+          <a:bodyPr rtlCol="0" anchor="ctr"/>
+          <a:lstStyle/>
+          <a:p>
+            <a:pPr algn="ctr"/>
+            <a:endParaRPr lang="zh-CN" altLang="en-US"/>
+          </a:p>
+        </p:txBody>
+      </p:sp>
+      <p:pic>
+        <p:nvPicPr>
+          <p:cNvPr id="25" name="图片占位符 24">
+            <a:extLst>
+              <a:ext uri="{FF2B5EF4-FFF2-40B4-BE49-F238E27FC236}">
+                <a16:creationId xmlns:a16="http://schemas.microsoft.com/office/drawing/2014/main" id="{A243C448-1865-7522-77C7-1E5E9F0F7A0F}"/>
+              </a:ext>
+            </a:extLst>
+          </p:cNvPr>
+          <p:cNvPicPr>
+            <a:picLocks noGrp="1" noChangeAspect="1"/>
+          </p:cNvPicPr>
+          <p:nvPr>
+            <p:ph type="pic" idx="1"/>
+          </p:nvPr>
+        </p:nvPicPr>
+        <p:blipFill>
+          <a:blip r:embed="rId2" cstate="print">
+            <a:extLst>
+              <a:ext uri="{28A0092B-C50C-407E-A947-70E740481C1C}">
+                <a14:useLocalDpi xmlns:a14="http://schemas.microsoft.com/office/drawing/2010/main" val="0"/>
+              </a:ext>
+            </a:extLst>
+          </a:blip>
+          <a:srcRect t="649" b="649"/>
+          <a:stretch>
+            <a:fillRect/>
+          </a:stretch>
+        </p:blipFill>
+        <p:spPr/>
+      </p:pic>
+      <p:sp>
+        <p:nvSpPr>
+          <p:cNvPr id="23" name="文本占位符 22">
+            <a:extLst>
+              <a:ext uri="{FF2B5EF4-FFF2-40B4-BE49-F238E27FC236}">
+                <a16:creationId xmlns:a16="http://schemas.microsoft.com/office/drawing/2014/main" id="{06788D34-78B9-FAC2-AF08-DE361B5177E3}"/>
+              </a:ext>
+            </a:extLst>
+          </p:cNvPr>
+          <p:cNvSpPr>
+            <a:spLocks noGrp="1"/>
+          </p:cNvSpPr>
+          <p:nvPr>
+            <p:ph type="body" sz="half" idx="2"/>
+          </p:nvPr>
+        </p:nvSpPr>
+        <p:spPr>
+          <a:xfrm>
+            <a:off x="786444" y="1334739"/>
+            <a:ext cx="4396744" cy="5051859"/>
+          </a:xfrm>
+        </p:spPr>
+        <p:txBody>
+          <a:bodyPr>
+            <a:normAutofit fontScale="92500"/>
+          </a:bodyPr>
+          <a:lstStyle/>
+          <a:p>
+            <a:pPr indent="457200" algn="just">
+              <a:lnSpc>
+                <a:spcPct val="150000"/>
+              </a:lnSpc>
+              <a:spcBef>
+                <a:spcPts val="0"/>
+              </a:spcBef>
+            </a:pPr>
+            <a:r>
+              <a:rPr lang="zh-CN" altLang="en-US" dirty="0">
+                <a:solidFill>
+                  <a:schemeClr val="accent1">
+                    <a:lumMod val="50000"/>
+                  </a:schemeClr>
+                </a:solidFill>
+              </a:rPr>
+              <a:t>我们还能注意到，在所有情况下</a:t>
+            </a:r>
+            <a:r>
+              <a:rPr lang="en-US" altLang="zh-CN" dirty="0">
+                <a:solidFill>
+                  <a:schemeClr val="accent1">
+                    <a:lumMod val="50000"/>
+                  </a:schemeClr>
+                </a:solidFill>
+              </a:rPr>
+              <a:t>Specificity</a:t>
+            </a:r>
+            <a:r>
+              <a:rPr lang="zh-CN" altLang="en-US" dirty="0">
+                <a:solidFill>
+                  <a:schemeClr val="accent1">
+                    <a:lumMod val="50000"/>
+                  </a:schemeClr>
+                </a:solidFill>
+              </a:rPr>
+              <a:t>指标值都比较低：最高的点为</a:t>
+            </a:r>
+            <a:r>
+              <a:rPr lang="en-US" altLang="zh-CN" dirty="0">
+                <a:solidFill>
+                  <a:schemeClr val="accent1">
+                    <a:lumMod val="50000"/>
+                  </a:schemeClr>
+                </a:solidFill>
+              </a:rPr>
+              <a:t>0.8</a:t>
+            </a:r>
+            <a:r>
+              <a:rPr lang="zh-CN" altLang="en-US" dirty="0">
+                <a:solidFill>
+                  <a:schemeClr val="accent1">
+                    <a:lumMod val="50000"/>
+                  </a:schemeClr>
+                </a:solidFill>
+              </a:rPr>
+              <a:t>，并且五种机器学习算法的</a:t>
+            </a:r>
+            <a:r>
+              <a:rPr lang="en-US" altLang="zh-CN" dirty="0">
+                <a:solidFill>
+                  <a:schemeClr val="accent1">
+                    <a:lumMod val="50000"/>
+                  </a:schemeClr>
+                </a:solidFill>
+              </a:rPr>
+              <a:t>Specificity</a:t>
+            </a:r>
+            <a:r>
+              <a:rPr lang="zh-CN" altLang="en-US" dirty="0">
+                <a:solidFill>
+                  <a:schemeClr val="accent1">
+                    <a:lumMod val="50000"/>
+                  </a:schemeClr>
+                </a:solidFill>
+              </a:rPr>
+              <a:t>均值也比较小，均不超过</a:t>
+            </a:r>
+            <a:r>
+              <a:rPr lang="en-US" altLang="zh-CN" dirty="0">
+                <a:solidFill>
+                  <a:schemeClr val="accent1">
+                    <a:lumMod val="50000"/>
+                  </a:schemeClr>
+                </a:solidFill>
+              </a:rPr>
+              <a:t>0.7</a:t>
+            </a:r>
+            <a:r>
+              <a:rPr lang="zh-CN" altLang="en-US" dirty="0">
+                <a:solidFill>
+                  <a:schemeClr val="accent1">
+                    <a:lumMod val="50000"/>
+                  </a:schemeClr>
+                </a:solidFill>
+              </a:rPr>
+              <a:t>。</a:t>
+            </a:r>
+            <a:endParaRPr lang="en-US" altLang="zh-CN" dirty="0">
+              <a:solidFill>
+                <a:schemeClr val="accent1">
+                  <a:lumMod val="50000"/>
+                </a:schemeClr>
+              </a:solidFill>
+            </a:endParaRPr>
+          </a:p>
+          <a:p>
+            <a:pPr indent="457200" algn="just">
+              <a:lnSpc>
+                <a:spcPct val="150000"/>
+              </a:lnSpc>
+              <a:spcBef>
+                <a:spcPts val="0"/>
+              </a:spcBef>
+            </a:pPr>
+            <a:r>
+              <a:rPr lang="zh-CN" altLang="en-US" dirty="0">
+                <a:solidFill>
+                  <a:schemeClr val="accent1">
+                    <a:lumMod val="50000"/>
+                  </a:schemeClr>
+                </a:solidFill>
+              </a:rPr>
+              <a:t>根据</a:t>
+            </a:r>
+            <a:r>
+              <a:rPr lang="en-US" altLang="zh-CN" dirty="0">
+                <a:solidFill>
+                  <a:schemeClr val="accent1">
+                    <a:lumMod val="50000"/>
+                  </a:schemeClr>
+                </a:solidFill>
+              </a:rPr>
+              <a:t>Specificity</a:t>
+            </a:r>
+            <a:r>
+              <a:rPr lang="zh-CN" altLang="en-US" dirty="0">
+                <a:solidFill>
+                  <a:schemeClr val="accent1">
+                    <a:lumMod val="50000"/>
+                  </a:schemeClr>
+                </a:solidFill>
+              </a:rPr>
+              <a:t>的公式容易知道，</a:t>
+            </a:r>
+            <a:r>
+              <a:rPr lang="en-US" altLang="zh-CN" dirty="0">
+                <a:solidFill>
+                  <a:schemeClr val="accent1">
+                    <a:lumMod val="50000"/>
+                  </a:schemeClr>
+                </a:solidFill>
+              </a:rPr>
+              <a:t>Specificity</a:t>
+            </a:r>
+            <a:r>
+              <a:rPr lang="zh-CN" altLang="en-US" dirty="0">
+                <a:solidFill>
+                  <a:schemeClr val="accent1">
+                    <a:lumMod val="50000"/>
+                  </a:schemeClr>
+                </a:solidFill>
+              </a:rPr>
+              <a:t>较低意味着算法对于反例（即类别为</a:t>
+            </a:r>
+            <a:r>
+              <a:rPr lang="en-US" altLang="zh-CN" dirty="0">
+                <a:solidFill>
+                  <a:schemeClr val="accent1">
+                    <a:lumMod val="50000"/>
+                  </a:schemeClr>
+                </a:solidFill>
+              </a:rPr>
+              <a:t>0</a:t>
+            </a:r>
+            <a:r>
+              <a:rPr lang="zh-CN" altLang="en-US" dirty="0">
+                <a:solidFill>
+                  <a:schemeClr val="accent1">
+                    <a:lumMod val="50000"/>
+                  </a:schemeClr>
+                </a:solidFill>
+              </a:rPr>
+              <a:t>）的样本的预测准确率较低。</a:t>
+            </a:r>
+            <a:endParaRPr lang="en-US" altLang="zh-CN" dirty="0">
+              <a:solidFill>
+                <a:schemeClr val="accent1">
+                  <a:lumMod val="50000"/>
+                </a:schemeClr>
+              </a:solidFill>
+            </a:endParaRPr>
+          </a:p>
+          <a:p>
+            <a:pPr indent="457200" algn="just">
+              <a:lnSpc>
+                <a:spcPct val="150000"/>
+              </a:lnSpc>
+              <a:spcBef>
+                <a:spcPts val="0"/>
+              </a:spcBef>
+            </a:pPr>
+            <a:r>
+              <a:rPr lang="zh-CN" altLang="en-US" dirty="0">
+                <a:solidFill>
+                  <a:schemeClr val="accent1">
+                    <a:lumMod val="50000"/>
+                  </a:schemeClr>
+                </a:solidFill>
+              </a:rPr>
+              <a:t>出现这种现象可能是因为我们的临床数据集中，恶性结节（类别为</a:t>
+            </a:r>
+            <a:r>
+              <a:rPr lang="en-US" altLang="zh-CN" dirty="0">
+                <a:solidFill>
+                  <a:schemeClr val="accent1">
+                    <a:lumMod val="50000"/>
+                  </a:schemeClr>
+                </a:solidFill>
+              </a:rPr>
+              <a:t>1</a:t>
+            </a:r>
+            <a:r>
+              <a:rPr lang="zh-CN" altLang="en-US" dirty="0">
+                <a:solidFill>
+                  <a:schemeClr val="accent1">
+                    <a:lumMod val="50000"/>
+                  </a:schemeClr>
+                </a:solidFill>
+              </a:rPr>
+              <a:t>，样本量为</a:t>
+            </a:r>
+            <a:r>
+              <a:rPr lang="en-US" altLang="zh-CN" dirty="0">
+                <a:solidFill>
+                  <a:schemeClr val="accent1">
+                    <a:lumMod val="50000"/>
+                  </a:schemeClr>
+                </a:solidFill>
+              </a:rPr>
+              <a:t>819</a:t>
+            </a:r>
+            <a:r>
+              <a:rPr lang="zh-CN" altLang="en-US" dirty="0">
+                <a:solidFill>
+                  <a:schemeClr val="accent1">
+                    <a:lumMod val="50000"/>
+                  </a:schemeClr>
+                </a:solidFill>
+              </a:rPr>
+              <a:t>）的样本量远大于良性结节（类别为</a:t>
+            </a:r>
+            <a:r>
+              <a:rPr lang="en-US" altLang="zh-CN" dirty="0">
+                <a:solidFill>
+                  <a:schemeClr val="accent1">
+                    <a:lumMod val="50000"/>
+                  </a:schemeClr>
+                </a:solidFill>
+              </a:rPr>
+              <a:t>0</a:t>
+            </a:r>
+            <a:r>
+              <a:rPr lang="zh-CN" altLang="en-US" dirty="0">
+                <a:solidFill>
+                  <a:schemeClr val="accent1">
+                    <a:lumMod val="50000"/>
+                  </a:schemeClr>
+                </a:solidFill>
+              </a:rPr>
+              <a:t>，样本量为</a:t>
+            </a:r>
+            <a:r>
+              <a:rPr lang="en-US" altLang="zh-CN" dirty="0">
+                <a:solidFill>
+                  <a:schemeClr val="accent1">
+                    <a:lumMod val="50000"/>
+                  </a:schemeClr>
+                </a:solidFill>
+              </a:rPr>
+              <a:t>413</a:t>
+            </a:r>
+            <a:r>
+              <a:rPr lang="zh-CN" altLang="en-US" dirty="0">
+                <a:solidFill>
+                  <a:schemeClr val="accent1">
+                    <a:lumMod val="50000"/>
+                  </a:schemeClr>
+                </a:solidFill>
+              </a:rPr>
+              <a:t>）的样本量，导致数据类别不均衡，算法更倾向于将样本分类为</a:t>
+            </a:r>
+            <a:r>
+              <a:rPr lang="en-US" altLang="zh-CN" dirty="0">
+                <a:solidFill>
+                  <a:schemeClr val="accent1">
+                    <a:lumMod val="50000"/>
+                  </a:schemeClr>
+                </a:solidFill>
+              </a:rPr>
+              <a:t>1</a:t>
+            </a:r>
+            <a:r>
+              <a:rPr lang="zh-CN" altLang="en-US" dirty="0">
+                <a:solidFill>
+                  <a:schemeClr val="accent1">
+                    <a:lumMod val="50000"/>
+                  </a:schemeClr>
+                </a:solidFill>
+              </a:rPr>
+              <a:t>，因为这样能使算法整体性能提升。</a:t>
+            </a:r>
+            <a:endParaRPr lang="en-US" altLang="zh-CN" dirty="0">
+              <a:solidFill>
+                <a:schemeClr val="accent1">
+                  <a:lumMod val="50000"/>
+                </a:schemeClr>
+              </a:solidFill>
+            </a:endParaRPr>
+          </a:p>
+          <a:p>
+            <a:pPr indent="457200" algn="just">
+              <a:lnSpc>
+                <a:spcPct val="150000"/>
+              </a:lnSpc>
+              <a:spcBef>
+                <a:spcPts val="0"/>
+              </a:spcBef>
+            </a:pPr>
+            <a:r>
+              <a:rPr lang="zh-CN" altLang="en-US" dirty="0">
+                <a:solidFill>
+                  <a:schemeClr val="accent1">
+                    <a:lumMod val="50000"/>
+                  </a:schemeClr>
+                </a:solidFill>
+              </a:rPr>
+              <a:t>要解决数据类别不均衡问题，可以对数据集进行数据增强，尤其是对良性结节数据进行过采样（</a:t>
+            </a:r>
+            <a:r>
+              <a:rPr lang="en-US" altLang="zh-CN" dirty="0">
+                <a:solidFill>
+                  <a:schemeClr val="accent1">
+                    <a:lumMod val="50000"/>
+                  </a:schemeClr>
+                </a:solidFill>
+              </a:rPr>
+              <a:t>Oversampling</a:t>
+            </a:r>
+            <a:r>
+              <a:rPr lang="zh-CN" altLang="en-US" dirty="0">
+                <a:solidFill>
+                  <a:schemeClr val="accent1">
+                    <a:lumMod val="50000"/>
+                  </a:schemeClr>
+                </a:solidFill>
+              </a:rPr>
+              <a:t>）来增加良性结节样本。</a:t>
+            </a:r>
+            <a:endParaRPr lang="en-US" altLang="zh-CN" dirty="0">
+              <a:solidFill>
+                <a:schemeClr val="accent1">
+                  <a:lumMod val="50000"/>
+                </a:schemeClr>
+              </a:solidFill>
+            </a:endParaRPr>
+          </a:p>
+        </p:txBody>
+      </p:sp>
+    </p:spTree>
+    <p:extLst>
+      <p:ext uri="{BB962C8B-B14F-4D97-AF65-F5344CB8AC3E}">
+        <p14:creationId xmlns:p14="http://schemas.microsoft.com/office/powerpoint/2010/main" val="2720775155"/>
+      </p:ext>
+    </p:extLst>
+  </p:cSld>
+  <p:clrMapOvr>
+    <a:masterClrMapping/>
+  </p:clrMapOvr>
+  <p:timing>
+    <p:tnLst>
+      <p:par>
+        <p:cTn id="1" dur="indefinite" restart="never" nodeType="tmRoot">
+          <p:childTnLst>
+            <p:seq concurrent="1" nextAc="seek">
+              <p:cTn id="2" dur="indefinite" nodeType="mainSeq">
+                <p:childTnLst>
+                  <p:par>
+                    <p:cTn id="3" fill="hold">
+                      <p:stCondLst>
+                        <p:cond delay="indefinite"/>
+                        <p:cond evt="onBegin" delay="0">
+                          <p:tn val="2"/>
+                        </p:cond>
+                      </p:stCondLst>
+                      <p:childTnLst>
+                        <p:par>
+                          <p:cTn id="4" fill="hold">
+                            <p:stCondLst>
+                              <p:cond delay="0"/>
+                            </p:stCondLst>
+                            <p:childTnLst>
+                              <p:par>
+                                <p:cTn id="5" presetID="2" presetClass="entr" presetSubtype="8" fill="hold" grpId="0" nodeType="withEffect">
+                                  <p:stCondLst>
+                                    <p:cond delay="0"/>
+                                  </p:stCondLst>
+                                  <p:childTnLst>
+                                    <p:set>
+                                      <p:cBhvr>
+                                        <p:cTn id="6" dur="1" fill="hold">
+                                          <p:stCondLst>
+                                            <p:cond delay="0"/>
+                                          </p:stCondLst>
+                                        </p:cTn>
+                                        <p:tgtEl>
+                                          <p:spTgt spid="13"/>
+                                        </p:tgtEl>
+                                        <p:attrNameLst>
+                                          <p:attrName>style.visibility</p:attrName>
+                                        </p:attrNameLst>
+                                      </p:cBhvr>
+                                      <p:to>
+                                        <p:strVal val="visible"/>
+                                      </p:to>
+                                    </p:set>
+                                    <p:anim calcmode="lin" valueType="num">
+                                      <p:cBhvr additive="base">
+                                        <p:cTn id="7" dur="500" fill="hold"/>
+                                        <p:tgtEl>
+                                          <p:spTgt spid="13"/>
+                                        </p:tgtEl>
+                                        <p:attrNameLst>
+                                          <p:attrName>ppt_x</p:attrName>
+                                        </p:attrNameLst>
+                                      </p:cBhvr>
+                                      <p:tavLst>
+                                        <p:tav tm="0">
+                                          <p:val>
+                                            <p:strVal val="0-#ppt_w/2"/>
+                                          </p:val>
+                                        </p:tav>
+                                        <p:tav tm="100000">
+                                          <p:val>
+                                            <p:strVal val="#ppt_x"/>
+                                          </p:val>
+                                        </p:tav>
+                                      </p:tavLst>
+                                    </p:anim>
+                                    <p:anim calcmode="lin" valueType="num">
+                                      <p:cBhvr additive="base">
+                                        <p:cTn id="8" dur="500" fill="hold"/>
+                                        <p:tgtEl>
+                                          <p:spTgt spid="13"/>
+                                        </p:tgtEl>
+                                        <p:attrNameLst>
+                                          <p:attrName>ppt_y</p:attrName>
+                                        </p:attrNameLst>
+                                      </p:cBhvr>
+                                      <p:tavLst>
+                                        <p:tav tm="0">
+                                          <p:val>
+                                            <p:strVal val="#ppt_y"/>
+                                          </p:val>
+                                        </p:tav>
+                                        <p:tav tm="100000">
+                                          <p:val>
+                                            <p:strVal val="#ppt_y"/>
+                                          </p:val>
+                                        </p:tav>
+                                      </p:tavLst>
+                                    </p:anim>
+                                  </p:childTnLst>
+                                </p:cTn>
+                              </p:par>
+                            </p:childTnLst>
+                          </p:cTn>
+                        </p:par>
+                      </p:childTnLst>
+                    </p:cTn>
+                  </p:par>
+                </p:childTnLst>
+              </p:cTn>
+              <p:prevCondLst>
+                <p:cond evt="onPrev" delay="0">
+                  <p:tgtEl>
+                    <p:sldTgt/>
+                  </p:tgtEl>
+                </p:cond>
+              </p:prevCondLst>
+              <p:nextCondLst>
+                <p:cond evt="onNext" delay="0">
+                  <p:tgtEl>
+                    <p:sldTgt/>
+                  </p:tgtEl>
+                </p:cond>
+              </p:nextCondLst>
+            </p:seq>
+          </p:childTnLst>
+        </p:cTn>
+      </p:par>
+    </p:tnLst>
+    <p:bldLst>
+      <p:bldP spid="13" grpId="0"/>
+    </p:bldLst>
+  </p:timing>
+</p:sld>
+</file>
+
+<file path=ppt/slides/slide18.xml><?xml version="1.0" encoding="utf-8"?>
 <p:sld xmlns:a="http://schemas.openxmlformats.org/drawingml/2006/main" xmlns:r="http://schemas.openxmlformats.org/officeDocument/2006/relationships" xmlns:p="http://schemas.openxmlformats.org/presentationml/2006/main">
   <p:cSld>
     <p:spTree>
@@ -13120,7 +17659,7 @@
         <p:spPr>
           <a:xfrm>
             <a:off x="1184033" y="2158460"/>
-            <a:ext cx="9823934" cy="2541080"/>
+            <a:ext cx="9823934" cy="2956579"/>
           </a:xfrm>
           <a:prstGeom prst="rect">
             <a:avLst/>
@@ -13285,7 +17824,7 @@
                   </a:schemeClr>
                 </a:solidFill>
               </a:rPr>
-              <a:t>数据集中的每一行代表一个结节，总共</a:t>
+              <a:t>患者通常在三个区域（左叶、右叶、峡部）各有一个或多个结节，若患者在一个区域内有多个结节，我们保留最大的结节在数据集中，在经过数据清洗后，数据集中保留了</a:t>
             </a:r>
             <a:r>
               <a:rPr lang="en-US" altLang="zh-CN" dirty="0">
@@ -13305,7 +17844,27 @@
                   </a:schemeClr>
                 </a:solidFill>
               </a:rPr>
-              <a:t>行；每一列代表一个描述患者和结节特征的变量，每一个变量的含义如下表所示：</a:t>
+              <a:t>个结节（行）及</a:t>
+            </a:r>
+            <a:r>
+              <a:rPr lang="en-US" altLang="zh-CN" dirty="0">
+                <a:solidFill>
+                  <a:schemeClr val="accent1">
+                    <a:lumMod val="50000"/>
+                  </a:schemeClr>
+                </a:solidFill>
+              </a:rPr>
+              <a:t>20</a:t>
+            </a:r>
+            <a:r>
+              <a:rPr lang="zh-CN" altLang="en-US" dirty="0">
+                <a:solidFill>
+                  <a:schemeClr val="accent1">
+                    <a:lumMod val="50000"/>
+                  </a:schemeClr>
+                </a:solidFill>
+              </a:rPr>
+              <a:t>列，这些列的含义如下表所示：</a:t>
             </a:r>
             <a:endParaRPr lang="en-US" altLang="zh-CN" dirty="0">
               <a:solidFill>
